--- a/2017/11/net core and linux in production.pptx
+++ b/2017/11/net core and linux in production.pptx
@@ -5,7 +5,7 @@
     <p:sldMasterId id="2147483648" r:id="rId1"/>
   </p:sldMasterIdLst>
   <p:notesMasterIdLst>
-    <p:notesMasterId r:id="rId36"/>
+    <p:notesMasterId r:id="rId37"/>
   </p:notesMasterIdLst>
   <p:sldIdLst>
     <p:sldId id="256" r:id="rId2"/>
@@ -34,14 +34,15 @@
     <p:sldId id="297" r:id="rId25"/>
     <p:sldId id="304" r:id="rId26"/>
     <p:sldId id="305" r:id="rId27"/>
-    <p:sldId id="291" r:id="rId28"/>
-    <p:sldId id="292" r:id="rId29"/>
-    <p:sldId id="293" r:id="rId30"/>
-    <p:sldId id="294" r:id="rId31"/>
-    <p:sldId id="298" r:id="rId32"/>
-    <p:sldId id="295" r:id="rId33"/>
-    <p:sldId id="296" r:id="rId34"/>
-    <p:sldId id="286" r:id="rId35"/>
+    <p:sldId id="307" r:id="rId28"/>
+    <p:sldId id="291" r:id="rId29"/>
+    <p:sldId id="292" r:id="rId30"/>
+    <p:sldId id="293" r:id="rId31"/>
+    <p:sldId id="294" r:id="rId32"/>
+    <p:sldId id="298" r:id="rId33"/>
+    <p:sldId id="295" r:id="rId34"/>
+    <p:sldId id="296" r:id="rId35"/>
+    <p:sldId id="286" r:id="rId36"/>
   </p:sldIdLst>
   <p:sldSz cx="12192000" cy="6858000"/>
   <p:notesSz cx="6858000" cy="9144000"/>
@@ -191,6 +192,7 @@
           <p14:sldIdLst>
             <p14:sldId id="304"/>
             <p14:sldId id="305"/>
+            <p14:sldId id="307"/>
             <p14:sldId id="291"/>
             <p14:sldId id="292"/>
             <p14:sldId id="293"/>
@@ -300,7 +302,7 @@
           <a:p>
             <a:fld id="{F858B8D9-40E7-B14C-ABCA-6C05928ADBF7}" type="datetimeFigureOut">
               <a:rPr lang="en-US" smtClean="0"/>
-              <a:t>11/19/2017</a:t>
+              <a:t>11/21/2017</a:t>
             </a:fld>
             <a:endParaRPr lang="en-US"/>
           </a:p>
@@ -932,24 +934,93 @@
           <a:p>
             <a:r>
               <a:rPr lang="ru-RU" dirty="0"/>
-              <a:t>Не</a:t>
+              <a:t>Богатейшие возможности для использования тарантула в качестве сервера приложений. Это</a:t>
             </a:r>
             <a:r>
               <a:rPr lang="ru-RU" baseline="0" dirty="0"/>
-              <a:t> всё безоблачно и в эксплуатации. </a:t>
-            </a:r>
-            <a:r>
-              <a:rPr lang="ru-RU" dirty="0"/>
-              <a:t>Во-первых, нет синхронной репликации, поэтому возможна потеря небольшого количества данных, в случае выхода мастера из строя. Это для нас не критично, потому что в Редисе всё несколько хуже. Ждём </a:t>
-            </a:r>
-            <a:r>
-              <a:rPr lang="en-US" dirty="0" err="1"/>
-              <a:t>bsync</a:t>
-            </a:r>
-            <a:r>
-              <a:rPr lang="en-US" dirty="0"/>
+              <a:t> его основное назначение, если я верно понимаю. </a:t>
+            </a:r>
+            <a:r>
+              <a:rPr lang="ru-RU" dirty="0"/>
+              <a:t>Мы используем, например, модуль очередей (</a:t>
+            </a:r>
+            <a:r>
+              <a:rPr lang="ru-RU" dirty="0" err="1"/>
+              <a:t>https</a:t>
+            </a:r>
+            <a:r>
+              <a:rPr lang="ru-RU" dirty="0"/>
+              <a:t>://</a:t>
+            </a:r>
+            <a:r>
+              <a:rPr lang="ru-RU" dirty="0" err="1"/>
+              <a:t>github.com</a:t>
+            </a:r>
+            <a:r>
+              <a:rPr lang="ru-RU" dirty="0"/>
+              <a:t>/</a:t>
+            </a:r>
+            <a:r>
+              <a:rPr lang="ru-RU" dirty="0" err="1"/>
+              <a:t>tarantool</a:t>
+            </a:r>
+            <a:r>
+              <a:rPr lang="ru-RU" dirty="0"/>
+              <a:t>/</a:t>
+            </a:r>
+            <a:r>
+              <a:rPr lang="ru-RU" dirty="0" err="1"/>
+              <a:t>queue</a:t>
+            </a:r>
+            <a:r>
+              <a:rPr lang="ru-RU" dirty="0"/>
+              <a:t>). Благодаря</a:t>
+            </a:r>
+            <a:r>
+              <a:rPr lang="ru-RU" baseline="0" dirty="0"/>
+              <a:t> тому, как работают </a:t>
+            </a:r>
+            <a:r>
+              <a:rPr lang="en-US" baseline="0" dirty="0"/>
+              <a:t>yield point </a:t>
+            </a:r>
+            <a:r>
+              <a:rPr lang="ru-RU" baseline="0" dirty="0"/>
+              <a:t>в тарантуле, очереди в тарантуле дают нам </a:t>
+            </a:r>
+            <a:r>
+              <a:rPr lang="en-US" baseline="0" dirty="0"/>
+              <a:t>exactly once </a:t>
+            </a:r>
+            <a:r>
+              <a:rPr lang="ru-RU" baseline="0" dirty="0"/>
+              <a:t>семантику.</a:t>
+            </a:r>
+            <a:r>
+              <a:rPr lang="en-US" baseline="0" dirty="0"/>
+              <a:t> </a:t>
+            </a:r>
+            <a:r>
+              <a:rPr lang="ru-RU" baseline="0" dirty="0"/>
+              <a:t>Бизнес-логика на </a:t>
+            </a:r>
+            <a:r>
+              <a:rPr lang="ru-RU" baseline="0" dirty="0" err="1"/>
+              <a:t>луа</a:t>
+            </a:r>
+            <a:r>
+              <a:rPr lang="ru-RU" baseline="0" dirty="0"/>
+              <a:t> у нас есть, но очень немного. В основном из-за отсутствия вменяемых инструментов для разработки на </a:t>
+            </a:r>
+            <a:r>
+              <a:rPr lang="ru-RU" baseline="0" dirty="0" err="1"/>
+              <a:t>луа</a:t>
+            </a:r>
+            <a:r>
+              <a:rPr lang="ru-RU" baseline="0" dirty="0"/>
               <a:t>.</a:t>
             </a:r>
+            <a:endParaRPr lang="en-US" dirty="0"/>
           </a:p>
         </p:txBody>
       </p:sp>
@@ -979,7 +1050,7 @@
     </p:spTree>
     <p:extLst>
       <p:ext uri="{BB962C8B-B14F-4D97-AF65-F5344CB8AC3E}">
-        <p14:creationId xmlns:p14="http://schemas.microsoft.com/office/powerpoint/2010/main" val="2104392479"/>
+        <p14:creationId xmlns:p14="http://schemas.microsoft.com/office/powerpoint/2010/main" val="4205030919"/>
       </p:ext>
     </p:extLst>
   </p:cSld>
@@ -1035,77 +1106,24 @@
           <a:p>
             <a:r>
               <a:rPr lang="ru-RU" dirty="0"/>
-              <a:t>На </a:t>
+              <a:t>Не</a:t>
+            </a:r>
+            <a:r>
+              <a:rPr lang="ru-RU" baseline="0" dirty="0"/>
+              <a:t> всё безоблачно и в эксплуатации. </a:t>
+            </a:r>
+            <a:r>
+              <a:rPr lang="ru-RU" dirty="0"/>
+              <a:t>Во-первых, нет синхронной репликации, поэтому возможна потеря небольшого количества данных, в случае выхода мастера из строя. Это для нас не критично, потому что в Редисе всё несколько хуже. Ждём </a:t>
             </a:r>
             <a:r>
               <a:rPr lang="en-US" dirty="0" err="1"/>
-              <a:t>Highload</a:t>
+              <a:t>bsync</a:t>
             </a:r>
             <a:r>
               <a:rPr lang="en-US" dirty="0"/>
-              <a:t> 2016 </a:t>
-            </a:r>
-            <a:r>
-              <a:rPr lang="ru-RU" dirty="0"/>
-              <a:t>Илья Космодемьянский рассказывал</a:t>
-            </a:r>
-            <a:r>
-              <a:rPr lang="ru-RU" baseline="0" dirty="0"/>
-              <a:t> зачем нужна мастер-мастер репликация. И его вывод заключался в том, что обычно она не нужна. В целом, я с ним согласен. Но у нас в одном из приложений, как раз тот случай, когда все ключи случайны, следовательно, записывать можно в любую </a:t>
-            </a:r>
-            <a:r>
-              <a:rPr lang="ru-RU" baseline="0" dirty="0" err="1"/>
-              <a:t>ноду</a:t>
-            </a:r>
-            <a:r>
-              <a:rPr lang="ru-RU" baseline="0" dirty="0"/>
               <a:t>.</a:t>
             </a:r>
-            <a:r>
-              <a:rPr lang="ru-RU" dirty="0"/>
-              <a:t> Поэтому там у нас мастер-мастер</a:t>
-            </a:r>
-            <a:r>
-              <a:rPr lang="ru-RU" baseline="0" dirty="0"/>
-              <a:t> используется. </a:t>
-            </a:r>
-            <a:r>
-              <a:rPr lang="ru-RU" dirty="0"/>
-              <a:t>В версии 1.7.3-0, которая является первой версией 1.7.3, есть проблемы с поднятием кластера с одинаковой конфигурацией. Допустим, у нас простой кластер из трёх </a:t>
-            </a:r>
-            <a:r>
-              <a:rPr lang="ru-RU" dirty="0" err="1"/>
-              <a:t>нод</a:t>
-            </a:r>
-            <a:r>
-              <a:rPr lang="ru-RU" dirty="0"/>
-              <a:t>. Если все три </a:t>
-            </a:r>
-            <a:r>
-              <a:rPr lang="ru-RU" dirty="0" err="1"/>
-              <a:t>ноды</a:t>
-            </a:r>
-            <a:r>
-              <a:rPr lang="ru-RU" dirty="0"/>
-              <a:t> лежат, и мы запускаем их одновременно, то они не видят </a:t>
-            </a:r>
-            <a:r>
-              <a:rPr lang="ru-RU" dirty="0" err="1"/>
-              <a:t>апстримы</a:t>
-            </a:r>
-            <a:r>
-              <a:rPr lang="ru-RU" dirty="0"/>
-              <a:t> для репликации и через 30 секунд выключатся. Это уже исправлено в новых версиях, мы просто никак не обновим </a:t>
-            </a:r>
-            <a:r>
-              <a:rPr lang="ru-RU" dirty="0" err="1"/>
-              <a:t>продакшен</a:t>
-            </a:r>
-            <a:r>
-              <a:rPr lang="ru-RU" dirty="0"/>
-              <a:t>.</a:t>
-            </a:r>
-            <a:endParaRPr lang="en-US" dirty="0"/>
           </a:p>
         </p:txBody>
       </p:sp>
@@ -1135,7 +1153,7 @@
     </p:spTree>
     <p:extLst>
       <p:ext uri="{BB962C8B-B14F-4D97-AF65-F5344CB8AC3E}">
-        <p14:creationId xmlns:p14="http://schemas.microsoft.com/office/powerpoint/2010/main" val="156281867"/>
+        <p14:creationId xmlns:p14="http://schemas.microsoft.com/office/powerpoint/2010/main" val="2104392479"/>
       </p:ext>
     </p:extLst>
   </p:cSld>
@@ -1191,31 +1209,75 @@
           <a:p>
             <a:r>
               <a:rPr lang="ru-RU" dirty="0"/>
-              <a:t>Крайне неочевидна для нашей команды связь между версией официального докер-контейнера и версией тарантула. Например,</a:t>
+              <a:t>На </a:t>
+            </a:r>
+            <a:r>
+              <a:rPr lang="en-US" dirty="0" err="1"/>
+              <a:t>Highload</a:t>
+            </a:r>
+            <a:r>
+              <a:rPr lang="en-US" dirty="0"/>
+              <a:t> 2016 </a:t>
+            </a:r>
+            <a:r>
+              <a:rPr lang="ru-RU" dirty="0"/>
+              <a:t>Илья Космодемьянский рассказывал</a:t>
             </a:r>
             <a:r>
               <a:rPr lang="ru-RU" baseline="0" dirty="0"/>
-              <a:t> хотим мы версию контейнера 1.7.3, потому что туда новый модуль </a:t>
-            </a:r>
-            <a:r>
-              <a:rPr lang="en-US" baseline="0" dirty="0"/>
-              <a:t>queue </a:t>
+              <a:t> зачем нужна мастер-мастер репликация. И его вывод заключался в том, что обычно она не нужна. В целом, я с ним согласен. Но у нас в одном из приложений, как раз тот случай, когда все ключи случайны, следовательно, записывать можно в любую </a:t>
+            </a:r>
+            <a:r>
+              <a:rPr lang="ru-RU" baseline="0" dirty="0" err="1"/>
+              <a:t>ноду</a:t>
             </a:r>
             <a:r>
               <a:rPr lang="ru-RU" baseline="0" dirty="0"/>
-              <a:t>добавили. А какая внутри версия тарантула? Или, наоборот, хотим мы самую версию тарантула 1.7.3-80, например. Какую версию контейнера брать? </a:t>
-            </a:r>
-            <a:r>
-              <a:rPr lang="ru-RU" dirty="0"/>
-              <a:t>Поэтому, мы перешли на </a:t>
+              <a:t>.</a:t>
+            </a:r>
+            <a:r>
+              <a:rPr lang="ru-RU" dirty="0"/>
+              <a:t> Поэтому там у нас мастер-мастер</a:t>
+            </a:r>
+            <a:r>
+              <a:rPr lang="ru-RU" baseline="0" dirty="0"/>
+              <a:t> используется. </a:t>
+            </a:r>
+            <a:r>
+              <a:rPr lang="ru-RU" dirty="0"/>
+              <a:t>В версии 1.7.3-0, которая является первой версией 1.7.3, есть проблемы с поднятием кластера с одинаковой конфигурацией. Допустим, у нас простой кластер из трёх </a:t>
             </a:r>
             <a:r>
               <a:rPr lang="ru-RU" dirty="0" err="1"/>
-              <a:t>самосборный</a:t>
-            </a:r>
-            <a:r>
-              <a:rPr lang="ru-RU" dirty="0"/>
-              <a:t> контейнер.</a:t>
+              <a:t>нод</a:t>
+            </a:r>
+            <a:r>
+              <a:rPr lang="ru-RU" dirty="0"/>
+              <a:t>. Если все три </a:t>
+            </a:r>
+            <a:r>
+              <a:rPr lang="ru-RU" dirty="0" err="1"/>
+              <a:t>ноды</a:t>
+            </a:r>
+            <a:r>
+              <a:rPr lang="ru-RU" dirty="0"/>
+              <a:t> лежат, и мы запускаем их одновременно, то они не видят </a:t>
+            </a:r>
+            <a:r>
+              <a:rPr lang="ru-RU" dirty="0" err="1"/>
+              <a:t>апстримы</a:t>
+            </a:r>
+            <a:r>
+              <a:rPr lang="ru-RU" dirty="0"/>
+              <a:t> для репликации и через 30 секунд выключатся. Это уже исправлено в новых версиях, мы просто никак не обновим </a:t>
+            </a:r>
+            <a:r>
+              <a:rPr lang="ru-RU" dirty="0" err="1"/>
+              <a:t>продакшен</a:t>
+            </a:r>
+            <a:r>
+              <a:rPr lang="ru-RU" dirty="0"/>
+              <a:t>.</a:t>
             </a:r>
             <a:endParaRPr lang="en-US" dirty="0"/>
           </a:p>
@@ -1247,7 +1309,7 @@
     </p:spTree>
     <p:extLst>
       <p:ext uri="{BB962C8B-B14F-4D97-AF65-F5344CB8AC3E}">
-        <p14:creationId xmlns:p14="http://schemas.microsoft.com/office/powerpoint/2010/main" val="240656646"/>
+        <p14:creationId xmlns:p14="http://schemas.microsoft.com/office/powerpoint/2010/main" val="156281867"/>
       </p:ext>
     </p:extLst>
   </p:cSld>
@@ -1303,79 +1365,31 @@
           <a:p>
             <a:r>
               <a:rPr lang="ru-RU" dirty="0"/>
-              <a:t>Общий недостаток Редиса, Тарантула, </a:t>
-            </a:r>
-            <a:r>
-              <a:rPr lang="en-US" dirty="0" err="1"/>
-              <a:t>handlersocket</a:t>
+              <a:t>Крайне неочевидна для нашей команды связь между версией официального докер-контейнера и версией тарантула. Например,</a:t>
+            </a:r>
+            <a:r>
+              <a:rPr lang="ru-RU" baseline="0" dirty="0"/>
+              <a:t> хотим мы версию контейнера 1.7.3, потому что туда новый модуль </a:t>
             </a:r>
             <a:r>
               <a:rPr lang="en-US" baseline="0" dirty="0"/>
-              <a:t> </a:t>
+              <a:t>queue </a:t>
             </a:r>
             <a:r>
               <a:rPr lang="ru-RU" baseline="0" dirty="0"/>
-              <a:t>и прочих </a:t>
-            </a:r>
-            <a:r>
-              <a:rPr lang="en-US" baseline="0" dirty="0" err="1"/>
-              <a:t>noSql</a:t>
-            </a:r>
-            <a:r>
-              <a:rPr lang="en-US" baseline="0" dirty="0"/>
-              <a:t> </a:t>
-            </a:r>
-            <a:r>
-              <a:rPr lang="ru-RU" baseline="0" dirty="0"/>
-              <a:t>решений</a:t>
-            </a:r>
-            <a:r>
-              <a:rPr lang="ru-RU" dirty="0"/>
-              <a:t> - это специфический язык запросов. Товарищи сисадмины и </a:t>
+              <a:t>добавили. А какая внутри версия тарантула? Или, наоборот, хотим мы самую версию тарантула 1.7.3-80, например. Какую версию контейнера брать? </a:t>
+            </a:r>
+            <a:r>
+              <a:rPr lang="ru-RU" dirty="0"/>
+              <a:t>Поэтому, мы перешли на </a:t>
             </a:r>
             <a:r>
               <a:rPr lang="ru-RU" dirty="0" err="1"/>
-              <a:t>тестировщики</a:t>
-            </a:r>
-            <a:r>
-              <a:rPr lang="ru-RU" dirty="0"/>
-              <a:t> более привычны к SQL.</a:t>
-            </a:r>
-            <a:r>
-              <a:rPr lang="ru-RU" baseline="0" dirty="0"/>
-              <a:t> При этом они не являются разработчиками и учить даже </a:t>
-            </a:r>
-            <a:r>
-              <a:rPr lang="en-US" baseline="0" dirty="0" err="1"/>
-              <a:t>Lua</a:t>
-            </a:r>
-            <a:r>
-              <a:rPr lang="en-US" baseline="0" dirty="0"/>
-              <a:t> </a:t>
-            </a:r>
-            <a:r>
-              <a:rPr lang="ru-RU" baseline="0" dirty="0"/>
-              <a:t>им достаточно непросто. Поэтому, очень ждут, когда в </a:t>
-            </a:r>
-            <a:r>
-              <a:rPr lang="en-US" baseline="0" dirty="0" err="1"/>
-              <a:t>tarantool</a:t>
-            </a:r>
-            <a:r>
-              <a:rPr lang="en-US" baseline="0" dirty="0"/>
-              <a:t> </a:t>
-            </a:r>
-            <a:r>
-              <a:rPr lang="ru-RU" baseline="0" dirty="0"/>
-              <a:t>появится хоть какой-нибудь </a:t>
-            </a:r>
-            <a:r>
-              <a:rPr lang="en-US" baseline="0" dirty="0" err="1"/>
-              <a:t>sql</a:t>
-            </a:r>
-            <a:r>
-              <a:rPr lang="en-US" baseline="0" dirty="0"/>
-              <a:t>-engine.</a:t>
+              <a:t>самосборный</a:t>
+            </a:r>
+            <a:r>
+              <a:rPr lang="ru-RU" dirty="0"/>
+              <a:t> контейнер.</a:t>
             </a:r>
             <a:endParaRPr lang="en-US" dirty="0"/>
           </a:p>
@@ -1407,7 +1421,7 @@
     </p:spTree>
     <p:extLst>
       <p:ext uri="{BB962C8B-B14F-4D97-AF65-F5344CB8AC3E}">
-        <p14:creationId xmlns:p14="http://schemas.microsoft.com/office/powerpoint/2010/main" val="1968797880"/>
+        <p14:creationId xmlns:p14="http://schemas.microsoft.com/office/powerpoint/2010/main" val="240656646"/>
       </p:ext>
     </p:extLst>
   </p:cSld>
@@ -1461,6 +1475,82 @@
           <a:bodyPr/>
           <a:lstStyle/>
           <a:p>
+            <a:r>
+              <a:rPr lang="ru-RU" dirty="0"/>
+              <a:t>Общий недостаток Редиса, Тарантула, </a:t>
+            </a:r>
+            <a:r>
+              <a:rPr lang="en-US" dirty="0" err="1"/>
+              <a:t>handlersocket</a:t>
+            </a:r>
+            <a:r>
+              <a:rPr lang="en-US" baseline="0" dirty="0"/>
+              <a:t> </a:t>
+            </a:r>
+            <a:r>
+              <a:rPr lang="ru-RU" baseline="0" dirty="0"/>
+              <a:t>и прочих </a:t>
+            </a:r>
+            <a:r>
+              <a:rPr lang="en-US" baseline="0" dirty="0" err="1"/>
+              <a:t>noSql</a:t>
+            </a:r>
+            <a:r>
+              <a:rPr lang="en-US" baseline="0" dirty="0"/>
+              <a:t> </a:t>
+            </a:r>
+            <a:r>
+              <a:rPr lang="ru-RU" baseline="0" dirty="0"/>
+              <a:t>решений</a:t>
+            </a:r>
+            <a:r>
+              <a:rPr lang="ru-RU" dirty="0"/>
+              <a:t> - это специфический язык запросов. Товарищи сисадмины и </a:t>
+            </a:r>
+            <a:r>
+              <a:rPr lang="ru-RU" dirty="0" err="1"/>
+              <a:t>тестировщики</a:t>
+            </a:r>
+            <a:r>
+              <a:rPr lang="ru-RU" dirty="0"/>
+              <a:t> более привычны к SQL.</a:t>
+            </a:r>
+            <a:r>
+              <a:rPr lang="ru-RU" baseline="0" dirty="0"/>
+              <a:t> При этом они не являются разработчиками и учить даже </a:t>
+            </a:r>
+            <a:r>
+              <a:rPr lang="en-US" baseline="0" dirty="0" err="1"/>
+              <a:t>Lua</a:t>
+            </a:r>
+            <a:r>
+              <a:rPr lang="en-US" baseline="0" dirty="0"/>
+              <a:t> </a:t>
+            </a:r>
+            <a:r>
+              <a:rPr lang="ru-RU" baseline="0" dirty="0"/>
+              <a:t>им достаточно непросто. Поэтому, очень ждут, когда в </a:t>
+            </a:r>
+            <a:r>
+              <a:rPr lang="en-US" baseline="0" dirty="0" err="1"/>
+              <a:t>tarantool</a:t>
+            </a:r>
+            <a:r>
+              <a:rPr lang="en-US" baseline="0" dirty="0"/>
+              <a:t> </a:t>
+            </a:r>
+            <a:r>
+              <a:rPr lang="ru-RU" baseline="0" dirty="0"/>
+              <a:t>появится хоть какой-нибудь </a:t>
+            </a:r>
+            <a:r>
+              <a:rPr lang="en-US" baseline="0" dirty="0" err="1"/>
+              <a:t>sql</a:t>
+            </a:r>
+            <a:r>
+              <a:rPr lang="en-US" baseline="0" dirty="0"/>
+              <a:t>-engine.</a:t>
+            </a:r>
             <a:endParaRPr lang="en-US" dirty="0"/>
           </a:p>
         </p:txBody>
@@ -1491,7 +1581,7 @@
     </p:spTree>
     <p:extLst>
       <p:ext uri="{BB962C8B-B14F-4D97-AF65-F5344CB8AC3E}">
-        <p14:creationId xmlns:p14="http://schemas.microsoft.com/office/powerpoint/2010/main" val="136969082"/>
+        <p14:creationId xmlns:p14="http://schemas.microsoft.com/office/powerpoint/2010/main" val="1968797880"/>
       </p:ext>
     </p:extLst>
   </p:cSld>
@@ -1545,102 +1635,6 @@
           <a:bodyPr/>
           <a:lstStyle/>
           <a:p>
-            <a:r>
-              <a:rPr lang="ru-RU" dirty="0"/>
-              <a:t>Для </a:t>
-            </a:r>
-            <a:r>
-              <a:rPr lang="ru-RU" dirty="0" err="1"/>
-              <a:t>логирования</a:t>
-            </a:r>
-            <a:r>
-              <a:rPr lang="ru-RU" dirty="0"/>
-              <a:t> и мониторинга происходящего в тарантуле там есть достаточно много инструментов.</a:t>
-            </a:r>
-            <a:r>
-              <a:rPr lang="ru-RU" baseline="0" dirty="0"/>
-              <a:t> Мы используем </a:t>
-            </a:r>
-            <a:r>
-              <a:rPr lang="ru-RU" baseline="0" dirty="0" err="1"/>
-              <a:t>логирование</a:t>
-            </a:r>
-            <a:r>
-              <a:rPr lang="ru-RU" baseline="0" dirty="0"/>
-              <a:t> в </a:t>
-            </a:r>
-            <a:r>
-              <a:rPr lang="en-US" baseline="0" dirty="0" err="1"/>
-              <a:t>stdout</a:t>
-            </a:r>
-            <a:r>
-              <a:rPr lang="en-US" baseline="0" dirty="0"/>
-              <a:t> </a:t>
-            </a:r>
-            <a:r>
-              <a:rPr lang="ru-RU" baseline="0" dirty="0"/>
-              <a:t>и собираем затем </a:t>
-            </a:r>
-            <a:r>
-              <a:rPr lang="ru-RU" baseline="0" dirty="0" err="1"/>
-              <a:t>логи</a:t>
-            </a:r>
-            <a:r>
-              <a:rPr lang="ru-RU" baseline="0" dirty="0"/>
-              <a:t> с помощью </a:t>
-            </a:r>
-            <a:r>
-              <a:rPr lang="en-US" baseline="0" dirty="0" err="1"/>
-              <a:t>fluentd</a:t>
-            </a:r>
-            <a:r>
-              <a:rPr lang="en-US" baseline="0" dirty="0"/>
-              <a:t> </a:t>
-            </a:r>
-            <a:r>
-              <a:rPr lang="en-US" baseline="0" dirty="0" err="1"/>
-              <a:t>docker</a:t>
-            </a:r>
-            <a:r>
-              <a:rPr lang="en-US" baseline="0" dirty="0"/>
-              <a:t> driver </a:t>
-            </a:r>
-            <a:r>
-              <a:rPr lang="ru-RU" baseline="0" dirty="0"/>
-              <a:t>в центральное хранилище. Мониторинг у нас построен на </a:t>
-            </a:r>
-            <a:r>
-              <a:rPr lang="en-US" baseline="0" dirty="0" err="1"/>
-              <a:t>prometheus</a:t>
-            </a:r>
-            <a:r>
-              <a:rPr lang="en-US" baseline="0" dirty="0"/>
-              <a:t>, </a:t>
-            </a:r>
-            <a:r>
-              <a:rPr lang="ru-RU" baseline="0" dirty="0"/>
-              <a:t>который сейчас является самым простым решением с точки зрения развёртывания и сбора данных для небольших команд. И очень удобно, что к тарантулу есть модуль </a:t>
-            </a:r>
-            <a:r>
-              <a:rPr lang="en-US" baseline="0" dirty="0" err="1"/>
-              <a:t>tarantool</a:t>
-            </a:r>
-            <a:r>
-              <a:rPr lang="en-US" baseline="0" dirty="0"/>
-              <a:t>/</a:t>
-            </a:r>
-            <a:r>
-              <a:rPr lang="en-US" baseline="0" dirty="0" err="1"/>
-              <a:t>prometheus</a:t>
-            </a:r>
-            <a:r>
-              <a:rPr lang="en-US" baseline="0" dirty="0"/>
-              <a:t>, </a:t>
-            </a:r>
-            <a:r>
-              <a:rPr lang="ru-RU" baseline="0" dirty="0"/>
-              <a:t>который собирается различные метрики с запущенных тарантулов.</a:t>
-            </a:r>
             <a:endParaRPr lang="en-US" dirty="0"/>
           </a:p>
         </p:txBody>
@@ -1671,7 +1665,7 @@
     </p:spTree>
     <p:extLst>
       <p:ext uri="{BB962C8B-B14F-4D97-AF65-F5344CB8AC3E}">
-        <p14:creationId xmlns:p14="http://schemas.microsoft.com/office/powerpoint/2010/main" val="936635374"/>
+        <p14:creationId xmlns:p14="http://schemas.microsoft.com/office/powerpoint/2010/main" val="136969082"/>
       </p:ext>
     </p:extLst>
   </p:cSld>
@@ -1725,66 +1719,33 @@
           <a:bodyPr/>
           <a:lstStyle/>
           <a:p>
-            <a:pPr marL="0" marR="0" indent="0" algn="l" defTabSz="914400" rtl="0" eaLnBrk="1" fontAlgn="auto" latinLnBrk="0" hangingPunct="1">
-              <a:lnSpc>
-                <a:spcPct val="100000"/>
-              </a:lnSpc>
-              <a:spcBef>
-                <a:spcPts val="0"/>
-              </a:spcBef>
-              <a:spcAft>
-                <a:spcPts val="0"/>
-              </a:spcAft>
-              <a:buClrTx/>
-              <a:buSzTx/>
-              <a:buFontTx/>
-              <a:buNone/>
-              <a:tabLst/>
-              <a:defRPr/>
-            </a:pPr>
-            <a:r>
-              <a:rPr lang="ru-RU" dirty="0"/>
-              <a:t>Какие выводы можно сделать?</a:t>
+            <a:r>
+              <a:rPr lang="ru-RU" dirty="0"/>
+              <a:t>Для </a:t>
+            </a:r>
+            <a:r>
+              <a:rPr lang="ru-RU" dirty="0" err="1"/>
+              <a:t>логирования</a:t>
+            </a:r>
+            <a:r>
+              <a:rPr lang="ru-RU" dirty="0"/>
+              <a:t> и мониторинга происходящего в тарантуле там есть достаточно много инструментов.</a:t>
             </a:r>
             <a:r>
               <a:rPr lang="ru-RU" baseline="0" dirty="0"/>
-              <a:t> С развитием </a:t>
-            </a:r>
-            <a:r>
-              <a:rPr lang="en-US" baseline="0" dirty="0"/>
-              <a:t>open source </a:t>
+              <a:t> Мы используем </a:t>
+            </a:r>
+            <a:r>
+              <a:rPr lang="ru-RU" baseline="0" dirty="0" err="1"/>
+              <a:t>логирование</a:t>
             </a:r>
             <a:r>
               <a:rPr lang="ru-RU" baseline="0" dirty="0"/>
-              <a:t>версии </a:t>
+              <a:t> в </a:t>
             </a:r>
             <a:r>
               <a:rPr lang="en-US" baseline="0" dirty="0" err="1"/>
-              <a:t>.net</a:t>
-            </a:r>
-            <a:r>
-              <a:rPr lang="en-US" baseline="0" dirty="0"/>
-              <a:t> - </a:t>
-            </a:r>
-            <a:r>
-              <a:rPr lang="en-US" baseline="0" dirty="0" err="1"/>
-              <a:t>.net</a:t>
-            </a:r>
-            <a:r>
-              <a:rPr lang="en-US" baseline="0" dirty="0"/>
-              <a:t> core, </a:t>
-            </a:r>
-            <a:r>
-              <a:rPr lang="ru-RU" baseline="0" dirty="0"/>
-              <a:t>которая прекрасно работает на самых разных ОС и архитектурах (например, </a:t>
-            </a:r>
-            <a:r>
-              <a:rPr lang="en-US" baseline="0" dirty="0"/>
-              <a:t>x86, ARM, ARM64), </a:t>
-            </a:r>
-            <a:r>
-              <a:rPr lang="en-US" baseline="0" dirty="0" err="1"/>
-              <a:t>.net</a:t>
+              <a:t>stdout</a:t>
             </a:r>
             <a:r>
               <a:rPr lang="en-US" baseline="0" dirty="0"/>
@@ -1792,42 +1753,67 @@
             </a:r>
             <a:r>
               <a:rPr lang="ru-RU" baseline="0" dirty="0"/>
-              <a:t>разработчикам не следует ограничивать себя только </a:t>
+              <a:t>и собираем затем </a:t>
+            </a:r>
+            <a:r>
+              <a:rPr lang="ru-RU" baseline="0" dirty="0" err="1"/>
+              <a:t>логи</a:t>
+            </a:r>
+            <a:r>
+              <a:rPr lang="ru-RU" baseline="0" dirty="0"/>
+              <a:t> с помощью </a:t>
+            </a:r>
+            <a:r>
+              <a:rPr lang="en-US" baseline="0" dirty="0" err="1"/>
+              <a:t>fluentd</a:t>
             </a:r>
             <a:r>
               <a:rPr lang="en-US" baseline="0" dirty="0"/>
-              <a:t>Windows </a:t>
+              <a:t> </a:t>
+            </a:r>
+            <a:r>
+              <a:rPr lang="en-US" baseline="0" dirty="0" err="1"/>
+              <a:t>docker</a:t>
+            </a:r>
+            <a:r>
+              <a:rPr lang="en-US" baseline="0" dirty="0"/>
+              <a:t> driver </a:t>
             </a:r>
             <a:r>
               <a:rPr lang="ru-RU" baseline="0" dirty="0"/>
-              <a:t>и необходимо рассматривать все доступные варианты на рынке и выбирать то, что больше подходит.</a:t>
-            </a:r>
-            <a:endParaRPr lang="en-US" dirty="0"/>
-          </a:p>
-          <a:p>
+              <a:t>в центральное хранилище. Мониторинг у нас построен на </a:t>
+            </a:r>
+            <a:r>
+              <a:rPr lang="en-US" baseline="0" dirty="0" err="1"/>
+              <a:t>prometheus</a:t>
+            </a:r>
+            <a:r>
+              <a:rPr lang="en-US" baseline="0" dirty="0"/>
+              <a:t>, </a:t>
+            </a:r>
             <a:r>
               <a:rPr lang="ru-RU" baseline="0" dirty="0"/>
-              <a:t>Тарантул </a:t>
-            </a:r>
-            <a:r>
-              <a:rPr lang="mr-IN" baseline="0" dirty="0"/>
-              <a:t>–</a:t>
+              <a:t>который сейчас является самым простым решением с точки зрения развёртывания и сбора данных для небольших команд. И очень удобно, что к тарантулу есть модуль </a:t>
+            </a:r>
+            <a:r>
+              <a:rPr lang="en-US" baseline="0" dirty="0" err="1"/>
+              <a:t>tarantool</a:t>
+            </a:r>
+            <a:r>
+              <a:rPr lang="en-US" baseline="0" dirty="0"/>
+              <a:t>/</a:t>
+            </a:r>
+            <a:r>
+              <a:rPr lang="en-US" baseline="0" dirty="0" err="1"/>
+              <a:t>prometheus</a:t>
+            </a:r>
+            <a:r>
+              <a:rPr lang="en-US" baseline="0" dirty="0"/>
+              <a:t>, </a:t>
             </a:r>
             <a:r>
               <a:rPr lang="ru-RU" baseline="0" dirty="0"/>
-              <a:t> прекрасная и быстрая СУБД, которую можно использовать как исключительно СУБД, так и в качестве, например, очереди для любых приложений, в том числе, написанных на </a:t>
-            </a:r>
-            <a:r>
-              <a:rPr lang="en-US" baseline="0" dirty="0" err="1"/>
-              <a:t>.net</a:t>
-            </a:r>
-            <a:r>
-              <a:rPr lang="en-US" baseline="0" dirty="0"/>
-              <a:t>. </a:t>
-            </a:r>
-            <a:r>
-              <a:rPr lang="ru-RU" baseline="0" dirty="0"/>
-              <a:t>В нашем проекте мы полностью удовлетворены работоспособностью Тарантула и продолжим миграцию основных данных в него.</a:t>
+              <a:t>который собирается различные метрики с запущенных тарантулов.</a:t>
             </a:r>
             <a:endParaRPr lang="en-US" dirty="0"/>
           </a:p>
@@ -1859,7 +1845,7 @@
     </p:spTree>
     <p:extLst>
       <p:ext uri="{BB962C8B-B14F-4D97-AF65-F5344CB8AC3E}">
-        <p14:creationId xmlns:p14="http://schemas.microsoft.com/office/powerpoint/2010/main" val="843117711"/>
+        <p14:creationId xmlns:p14="http://schemas.microsoft.com/office/powerpoint/2010/main" val="936635374"/>
       </p:ext>
     </p:extLst>
   </p:cSld>
@@ -1913,13 +1899,109 @@
           <a:bodyPr/>
           <a:lstStyle/>
           <a:p>
-            <a:r>
-              <a:rPr lang="ru-RU" dirty="0"/>
-              <a:t>На этом мой доклад закончен.</a:t>
+            <a:pPr marL="0" marR="0" indent="0" algn="l" defTabSz="914400" rtl="0" eaLnBrk="1" fontAlgn="auto" latinLnBrk="0" hangingPunct="1">
+              <a:lnSpc>
+                <a:spcPct val="100000"/>
+              </a:lnSpc>
+              <a:spcBef>
+                <a:spcPts val="0"/>
+              </a:spcBef>
+              <a:spcAft>
+                <a:spcPts val="0"/>
+              </a:spcAft>
+              <a:buClrTx/>
+              <a:buSzTx/>
+              <a:buFontTx/>
+              <a:buNone/>
+              <a:tabLst/>
+              <a:defRPr/>
+            </a:pPr>
+            <a:r>
+              <a:rPr lang="ru-RU" dirty="0"/>
+              <a:t>Какие выводы можно сделать?</a:t>
             </a:r>
             <a:r>
               <a:rPr lang="ru-RU" baseline="0" dirty="0"/>
-              <a:t> Ваши вопросы.</a:t>
+              <a:t> С развитием </a:t>
+            </a:r>
+            <a:r>
+              <a:rPr lang="en-US" baseline="0" dirty="0"/>
+              <a:t>open source </a:t>
+            </a:r>
+            <a:r>
+              <a:rPr lang="ru-RU" baseline="0" dirty="0"/>
+              <a:t>версии </a:t>
+            </a:r>
+            <a:r>
+              <a:rPr lang="en-US" baseline="0" dirty="0" err="1"/>
+              <a:t>.net</a:t>
+            </a:r>
+            <a:r>
+              <a:rPr lang="en-US" baseline="0" dirty="0"/>
+              <a:t> - </a:t>
+            </a:r>
+            <a:r>
+              <a:rPr lang="en-US" baseline="0" dirty="0" err="1"/>
+              <a:t>.net</a:t>
+            </a:r>
+            <a:r>
+              <a:rPr lang="en-US" baseline="0" dirty="0"/>
+              <a:t> core, </a:t>
+            </a:r>
+            <a:r>
+              <a:rPr lang="ru-RU" baseline="0" dirty="0"/>
+              <a:t>которая прекрасно работает на самых разных ОС и архитектурах (например, </a:t>
+            </a:r>
+            <a:r>
+              <a:rPr lang="en-US" baseline="0" dirty="0"/>
+              <a:t>x86, ARM, ARM64), </a:t>
+            </a:r>
+            <a:r>
+              <a:rPr lang="en-US" baseline="0" dirty="0" err="1"/>
+              <a:t>.net</a:t>
+            </a:r>
+            <a:r>
+              <a:rPr lang="en-US" baseline="0" dirty="0"/>
+              <a:t> </a:t>
+            </a:r>
+            <a:r>
+              <a:rPr lang="ru-RU" baseline="0" dirty="0"/>
+              <a:t>разработчикам не следует ограничивать себя только </a:t>
+            </a:r>
+            <a:r>
+              <a:rPr lang="en-US" baseline="0" dirty="0"/>
+              <a:t>Windows </a:t>
+            </a:r>
+            <a:r>
+              <a:rPr lang="ru-RU" baseline="0" dirty="0"/>
+              <a:t>и необходимо рассматривать все доступные варианты на рынке и выбирать то, что больше подходит.</a:t>
+            </a:r>
+            <a:endParaRPr lang="en-US" dirty="0"/>
+          </a:p>
+          <a:p>
+            <a:r>
+              <a:rPr lang="ru-RU" baseline="0" dirty="0"/>
+              <a:t>Тарантул </a:t>
+            </a:r>
+            <a:r>
+              <a:rPr lang="mr-IN" baseline="0" dirty="0"/>
+              <a:t>–</a:t>
+            </a:r>
+            <a:r>
+              <a:rPr lang="ru-RU" baseline="0" dirty="0"/>
+              <a:t> прекрасная и быстрая СУБД, которую можно использовать как исключительно СУБД, так и в качестве, например, очереди для любых приложений, в том числе, написанных на </a:t>
+            </a:r>
+            <a:r>
+              <a:rPr lang="en-US" baseline="0" dirty="0" err="1"/>
+              <a:t>.net</a:t>
+            </a:r>
+            <a:r>
+              <a:rPr lang="en-US" baseline="0" dirty="0"/>
+              <a:t>. </a:t>
+            </a:r>
+            <a:r>
+              <a:rPr lang="ru-RU" baseline="0" dirty="0"/>
+              <a:t>В нашем проекте мы полностью удовлетворены работоспособностью Тарантула и продолжим миграцию основных данных в него.</a:t>
             </a:r>
             <a:endParaRPr lang="en-US" dirty="0"/>
           </a:p>
@@ -1943,6 +2025,98 @@
             <a:fld id="{2C4E26C2-1CCB-1B4E-9F60-F75E774EED06}" type="slidenum">
               <a:rPr lang="en-US" smtClean="0"/>
               <a:t>34</a:t>
+            </a:fld>
+            <a:endParaRPr lang="en-US"/>
+          </a:p>
+        </p:txBody>
+      </p:sp>
+    </p:spTree>
+    <p:extLst>
+      <p:ext uri="{BB962C8B-B14F-4D97-AF65-F5344CB8AC3E}">
+        <p14:creationId xmlns:p14="http://schemas.microsoft.com/office/powerpoint/2010/main" val="843117711"/>
+      </p:ext>
+    </p:extLst>
+  </p:cSld>
+  <p:clrMapOvr>
+    <a:masterClrMapping/>
+  </p:clrMapOvr>
+</p:notes>
+</file>
+
+<file path=ppt/notesSlides/notesSlide19.xml><?xml version="1.0" encoding="utf-8"?>
+<p:notes xmlns:a="http://schemas.openxmlformats.org/drawingml/2006/main" xmlns:r="http://schemas.openxmlformats.org/officeDocument/2006/relationships" xmlns:p="http://schemas.openxmlformats.org/presentationml/2006/main">
+  <p:cSld>
+    <p:spTree>
+      <p:nvGrpSpPr>
+        <p:cNvPr id="1" name=""/>
+        <p:cNvGrpSpPr/>
+        <p:nvPr/>
+      </p:nvGrpSpPr>
+      <p:grpSpPr>
+        <a:xfrm>
+          <a:off x="0" y="0"/>
+          <a:ext cx="0" cy="0"/>
+          <a:chOff x="0" y="0"/>
+          <a:chExt cx="0" cy="0"/>
+        </a:xfrm>
+      </p:grpSpPr>
+      <p:sp>
+        <p:nvSpPr>
+          <p:cNvPr id="2" name="Slide Image Placeholder 1"/>
+          <p:cNvSpPr>
+            <a:spLocks noGrp="1" noRot="1" noChangeAspect="1"/>
+          </p:cNvSpPr>
+          <p:nvPr>
+            <p:ph type="sldImg"/>
+          </p:nvPr>
+        </p:nvSpPr>
+        <p:spPr/>
+      </p:sp>
+      <p:sp>
+        <p:nvSpPr>
+          <p:cNvPr id="3" name="Notes Placeholder 2"/>
+          <p:cNvSpPr>
+            <a:spLocks noGrp="1"/>
+          </p:cNvSpPr>
+          <p:nvPr>
+            <p:ph type="body" idx="1"/>
+          </p:nvPr>
+        </p:nvSpPr>
+        <p:spPr/>
+        <p:txBody>
+          <a:bodyPr/>
+          <a:lstStyle/>
+          <a:p>
+            <a:r>
+              <a:rPr lang="ru-RU" dirty="0"/>
+              <a:t>На этом мой доклад закончен.</a:t>
+            </a:r>
+            <a:r>
+              <a:rPr lang="ru-RU" baseline="0" dirty="0"/>
+              <a:t> Ваши вопросы.</a:t>
+            </a:r>
+            <a:endParaRPr lang="en-US" dirty="0"/>
+          </a:p>
+        </p:txBody>
+      </p:sp>
+      <p:sp>
+        <p:nvSpPr>
+          <p:cNvPr id="4" name="Slide Number Placeholder 3"/>
+          <p:cNvSpPr>
+            <a:spLocks noGrp="1"/>
+          </p:cNvSpPr>
+          <p:nvPr>
+            <p:ph type="sldNum" sz="quarter" idx="10"/>
+          </p:nvPr>
+        </p:nvSpPr>
+        <p:spPr/>
+        <p:txBody>
+          <a:bodyPr/>
+          <a:lstStyle/>
+          <a:p>
+            <a:fld id="{2C4E26C2-1CCB-1B4E-9F60-F75E774EED06}" type="slidenum">
+              <a:rPr lang="en-US" smtClean="0"/>
+              <a:t>35</a:t>
             </a:fld>
             <a:endParaRPr lang="en-US"/>
           </a:p>
@@ -3590,7 +3764,7 @@
           <a:p>
             <a:fld id="{03007FF4-4A58-3F48-9511-38849423F5EA}" type="datetimeFigureOut">
               <a:rPr lang="en-US" smtClean="0"/>
-              <a:t>11/19/2017</a:t>
+              <a:t>11/21/2017</a:t>
             </a:fld>
             <a:endParaRPr lang="en-US"/>
           </a:p>
@@ -3758,7 +3932,7 @@
           <a:p>
             <a:fld id="{03007FF4-4A58-3F48-9511-38849423F5EA}" type="datetimeFigureOut">
               <a:rPr lang="en-US" smtClean="0"/>
-              <a:t>11/19/2017</a:t>
+              <a:t>11/21/2017</a:t>
             </a:fld>
             <a:endParaRPr lang="en-US"/>
           </a:p>
@@ -3936,7 +4110,7 @@
           <a:p>
             <a:fld id="{03007FF4-4A58-3F48-9511-38849423F5EA}" type="datetimeFigureOut">
               <a:rPr lang="en-US" smtClean="0"/>
-              <a:t>11/19/2017</a:t>
+              <a:t>11/21/2017</a:t>
             </a:fld>
             <a:endParaRPr lang="en-US"/>
           </a:p>
@@ -4104,7 +4278,7 @@
           <a:p>
             <a:fld id="{03007FF4-4A58-3F48-9511-38849423F5EA}" type="datetimeFigureOut">
               <a:rPr lang="en-US" smtClean="0"/>
-              <a:t>11/19/2017</a:t>
+              <a:t>11/21/2017</a:t>
             </a:fld>
             <a:endParaRPr lang="en-US"/>
           </a:p>
@@ -4349,7 +4523,7 @@
           <a:p>
             <a:fld id="{03007FF4-4A58-3F48-9511-38849423F5EA}" type="datetimeFigureOut">
               <a:rPr lang="en-US" smtClean="0"/>
-              <a:t>11/19/2017</a:t>
+              <a:t>11/21/2017</a:t>
             </a:fld>
             <a:endParaRPr lang="en-US"/>
           </a:p>
@@ -4578,7 +4752,7 @@
           <a:p>
             <a:fld id="{03007FF4-4A58-3F48-9511-38849423F5EA}" type="datetimeFigureOut">
               <a:rPr lang="en-US" smtClean="0"/>
-              <a:t>11/19/2017</a:t>
+              <a:t>11/21/2017</a:t>
             </a:fld>
             <a:endParaRPr lang="en-US"/>
           </a:p>
@@ -4942,7 +5116,7 @@
           <a:p>
             <a:fld id="{03007FF4-4A58-3F48-9511-38849423F5EA}" type="datetimeFigureOut">
               <a:rPr lang="en-US" smtClean="0"/>
-              <a:t>11/19/2017</a:t>
+              <a:t>11/21/2017</a:t>
             </a:fld>
             <a:endParaRPr lang="en-US"/>
           </a:p>
@@ -5059,7 +5233,7 @@
           <a:p>
             <a:fld id="{03007FF4-4A58-3F48-9511-38849423F5EA}" type="datetimeFigureOut">
               <a:rPr lang="en-US" smtClean="0"/>
-              <a:t>11/19/2017</a:t>
+              <a:t>11/21/2017</a:t>
             </a:fld>
             <a:endParaRPr lang="en-US"/>
           </a:p>
@@ -5154,7 +5328,7 @@
           <a:p>
             <a:fld id="{03007FF4-4A58-3F48-9511-38849423F5EA}" type="datetimeFigureOut">
               <a:rPr lang="en-US" smtClean="0"/>
-              <a:t>11/19/2017</a:t>
+              <a:t>11/21/2017</a:t>
             </a:fld>
             <a:endParaRPr lang="en-US"/>
           </a:p>
@@ -5429,7 +5603,7 @@
           <a:p>
             <a:fld id="{03007FF4-4A58-3F48-9511-38849423F5EA}" type="datetimeFigureOut">
               <a:rPr lang="en-US" smtClean="0"/>
-              <a:t>11/19/2017</a:t>
+              <a:t>11/21/2017</a:t>
             </a:fld>
             <a:endParaRPr lang="en-US"/>
           </a:p>
@@ -5681,7 +5855,7 @@
           <a:p>
             <a:fld id="{03007FF4-4A58-3F48-9511-38849423F5EA}" type="datetimeFigureOut">
               <a:rPr lang="en-US" smtClean="0"/>
-              <a:t>11/19/2017</a:t>
+              <a:t>11/21/2017</a:t>
             </a:fld>
             <a:endParaRPr lang="en-US"/>
           </a:p>
@@ -5892,7 +6066,7 @@
           <a:p>
             <a:fld id="{03007FF4-4A58-3F48-9511-38849423F5EA}" type="datetimeFigureOut">
               <a:rPr lang="en-US" smtClean="0"/>
-              <a:t>11/19/2017</a:t>
+              <a:t>11/21/2017</a:t>
             </a:fld>
             <a:endParaRPr lang="en-US"/>
           </a:p>
@@ -12121,7 +12295,14 @@
             </a:r>
             <a:r>
               <a:rPr lang="en-US" dirty="0"/>
-              <a:t>swift</a:t>
+              <a:t>swift:</a:t>
+            </a:r>
+          </a:p>
+          <a:p>
+            <a:pPr lvl="1"/>
+            <a:r>
+              <a:rPr lang="en-US" dirty="0"/>
+              <a:t>https://github.com/tris-foundation/examples</a:t>
             </a:r>
           </a:p>
           <a:p>
@@ -12351,6 +12532,37 @@
                                   </p:childTnLst>
                                 </p:cTn>
                               </p:par>
+                              <p:par>
+                                <p:cTn id="19" presetID="1" presetClass="entr" presetSubtype="0" fill="hold" nodeType="withEffect">
+                                  <p:stCondLst>
+                                    <p:cond delay="0"/>
+                                  </p:stCondLst>
+                                  <p:childTnLst>
+                                    <p:set>
+                                      <p:cBhvr>
+                                        <p:cTn id="20" dur="1" fill="hold">
+                                          <p:stCondLst>
+                                            <p:cond delay="0"/>
+                                          </p:stCondLst>
+                                        </p:cTn>
+                                        <p:tgtEl>
+                                          <p:spTgt spid="3">
+                                            <p:txEl>
+                                              <p:pRg st="7" end="7"/>
+                                            </p:txEl>
+                                          </p:spTgt>
+                                        </p:tgtEl>
+                                        <p:attrNameLst>
+                                          <p:attrName>style.visibility</p:attrName>
+                                        </p:attrNameLst>
+                                      </p:cBhvr>
+                                      <p:to>
+                                        <p:strVal val="visible"/>
+                                      </p:to>
+                                    </p:set>
+                                  </p:childTnLst>
+                                </p:cTn>
+                              </p:par>
                             </p:childTnLst>
                           </p:cTn>
                         </p:par>
@@ -12416,7 +12628,7 @@
           <a:p>
             <a:r>
               <a:rPr lang="ru-RU" dirty="0"/>
-              <a:t>Эксплуатация: синхронная репликация</a:t>
+              <a:t>Эксплутация: разработка</a:t>
             </a:r>
             <a:endParaRPr lang="en-US" dirty="0"/>
           </a:p>
@@ -12439,6 +12651,361 @@
           <a:p>
             <a:r>
               <a:rPr lang="ru-RU" dirty="0"/>
+              <a:t>Отладка </a:t>
+            </a:r>
+            <a:r>
+              <a:rPr lang="en-US" dirty="0"/>
+              <a:t>Lua </a:t>
+            </a:r>
+            <a:r>
+              <a:rPr lang="ru-RU" dirty="0"/>
+              <a:t>в </a:t>
+            </a:r>
+            <a:r>
+              <a:rPr lang="en-US" dirty="0"/>
+              <a:t>IDEA: 1.7.5-29-gbb6170e4b or later.</a:t>
+            </a:r>
+          </a:p>
+          <a:p>
+            <a:pPr lvl="1"/>
+            <a:r>
+              <a:rPr lang="en-US" dirty="0"/>
+              <a:t>https://tarantool.org/en/doc/1.7/book/app_server/using_ide.html</a:t>
+            </a:r>
+            <a:endParaRPr lang="ru-RU" dirty="0"/>
+          </a:p>
+          <a:p>
+            <a:endParaRPr lang="ru-RU" dirty="0"/>
+          </a:p>
+          <a:p>
+            <a:r>
+              <a:rPr lang="ru-RU" dirty="0"/>
+              <a:t>Отладка</a:t>
+            </a:r>
+            <a:r>
+              <a:rPr lang="en-US" dirty="0"/>
+              <a:t> Swift </a:t>
+            </a:r>
+            <a:r>
+              <a:rPr lang="ru-RU" dirty="0"/>
+              <a:t>в </a:t>
+            </a:r>
+            <a:r>
+              <a:rPr lang="en-US" dirty="0" err="1"/>
+              <a:t>Xcode</a:t>
+            </a:r>
+            <a:endParaRPr lang="en-US" dirty="0"/>
+          </a:p>
+          <a:p>
+            <a:endParaRPr lang="en-US" dirty="0"/>
+          </a:p>
+          <a:p>
+            <a:r>
+              <a:rPr lang="ru-RU" dirty="0"/>
+              <a:t>Старые добрые </a:t>
+            </a:r>
+            <a:r>
+              <a:rPr lang="en-US" dirty="0"/>
+              <a:t>print</a:t>
+            </a:r>
+          </a:p>
+          <a:p>
+            <a:endParaRPr lang="en-US" dirty="0"/>
+          </a:p>
+          <a:p>
+            <a:endParaRPr lang="en-US" dirty="0"/>
+          </a:p>
+        </p:txBody>
+      </p:sp>
+    </p:spTree>
+    <p:custDataLst>
+      <p:tags r:id="rId1"/>
+    </p:custDataLst>
+    <p:extLst>
+      <p:ext uri="{BB962C8B-B14F-4D97-AF65-F5344CB8AC3E}">
+        <p14:creationId xmlns:p14="http://schemas.microsoft.com/office/powerpoint/2010/main" val="2918559422"/>
+      </p:ext>
+    </p:extLst>
+  </p:cSld>
+  <p:clrMapOvr>
+    <a:masterClrMapping/>
+  </p:clrMapOvr>
+  <mc:AlternateContent xmlns:mc="http://schemas.openxmlformats.org/markup-compatibility/2006" xmlns:p14="http://schemas.microsoft.com/office/powerpoint/2010/main">
+    <mc:Choice Requires="p14">
+      <p:transition spd="slow" p14:dur="2000" advTm="63705"/>
+    </mc:Choice>
+    <mc:Fallback xmlns="">
+      <p:transition spd="slow" advTm="63705"/>
+    </mc:Fallback>
+  </mc:AlternateContent>
+  <p:timing>
+    <p:tnLst>
+      <p:par>
+        <p:cTn id="1" dur="indefinite" restart="never" nodeType="tmRoot">
+          <p:childTnLst>
+            <p:seq concurrent="1" nextAc="seek">
+              <p:cTn id="2" dur="indefinite" nodeType="mainSeq">
+                <p:childTnLst>
+                  <p:par>
+                    <p:cTn id="3" fill="hold">
+                      <p:stCondLst>
+                        <p:cond delay="indefinite"/>
+                      </p:stCondLst>
+                      <p:childTnLst>
+                        <p:par>
+                          <p:cTn id="4" fill="hold">
+                            <p:stCondLst>
+                              <p:cond delay="0"/>
+                            </p:stCondLst>
+                            <p:childTnLst>
+                              <p:par>
+                                <p:cTn id="5" presetID="1" presetClass="entr" presetSubtype="0" fill="hold" nodeType="clickEffect">
+                                  <p:stCondLst>
+                                    <p:cond delay="0"/>
+                                  </p:stCondLst>
+                                  <p:childTnLst>
+                                    <p:set>
+                                      <p:cBhvr>
+                                        <p:cTn id="6" dur="1" fill="hold">
+                                          <p:stCondLst>
+                                            <p:cond delay="0"/>
+                                          </p:stCondLst>
+                                        </p:cTn>
+                                        <p:tgtEl>
+                                          <p:spTgt spid="3">
+                                            <p:txEl>
+                                              <p:pRg st="0" end="0"/>
+                                            </p:txEl>
+                                          </p:spTgt>
+                                        </p:tgtEl>
+                                        <p:attrNameLst>
+                                          <p:attrName>style.visibility</p:attrName>
+                                        </p:attrNameLst>
+                                      </p:cBhvr>
+                                      <p:to>
+                                        <p:strVal val="visible"/>
+                                      </p:to>
+                                    </p:set>
+                                  </p:childTnLst>
+                                </p:cTn>
+                              </p:par>
+                              <p:par>
+                                <p:cTn id="7" presetID="1" presetClass="entr" presetSubtype="0" fill="hold" nodeType="withEffect">
+                                  <p:stCondLst>
+                                    <p:cond delay="0"/>
+                                  </p:stCondLst>
+                                  <p:childTnLst>
+                                    <p:set>
+                                      <p:cBhvr>
+                                        <p:cTn id="8" dur="1" fill="hold">
+                                          <p:stCondLst>
+                                            <p:cond delay="0"/>
+                                          </p:stCondLst>
+                                        </p:cTn>
+                                        <p:tgtEl>
+                                          <p:spTgt spid="3">
+                                            <p:txEl>
+                                              <p:pRg st="1" end="1"/>
+                                            </p:txEl>
+                                          </p:spTgt>
+                                        </p:tgtEl>
+                                        <p:attrNameLst>
+                                          <p:attrName>style.visibility</p:attrName>
+                                        </p:attrNameLst>
+                                      </p:cBhvr>
+                                      <p:to>
+                                        <p:strVal val="visible"/>
+                                      </p:to>
+                                    </p:set>
+                                  </p:childTnLst>
+                                </p:cTn>
+                              </p:par>
+                            </p:childTnLst>
+                          </p:cTn>
+                        </p:par>
+                      </p:childTnLst>
+                    </p:cTn>
+                  </p:par>
+                  <p:par>
+                    <p:cTn id="9" fill="hold">
+                      <p:stCondLst>
+                        <p:cond delay="indefinite"/>
+                      </p:stCondLst>
+                      <p:childTnLst>
+                        <p:par>
+                          <p:cTn id="10" fill="hold">
+                            <p:stCondLst>
+                              <p:cond delay="0"/>
+                            </p:stCondLst>
+                            <p:childTnLst>
+                              <p:par>
+                                <p:cTn id="11" presetID="1" presetClass="entr" presetSubtype="0" fill="hold" nodeType="clickEffect">
+                                  <p:stCondLst>
+                                    <p:cond delay="0"/>
+                                  </p:stCondLst>
+                                  <p:childTnLst>
+                                    <p:set>
+                                      <p:cBhvr>
+                                        <p:cTn id="12" dur="1" fill="hold">
+                                          <p:stCondLst>
+                                            <p:cond delay="0"/>
+                                          </p:stCondLst>
+                                        </p:cTn>
+                                        <p:tgtEl>
+                                          <p:spTgt spid="3">
+                                            <p:txEl>
+                                              <p:pRg st="3" end="3"/>
+                                            </p:txEl>
+                                          </p:spTgt>
+                                        </p:tgtEl>
+                                        <p:attrNameLst>
+                                          <p:attrName>style.visibility</p:attrName>
+                                        </p:attrNameLst>
+                                      </p:cBhvr>
+                                      <p:to>
+                                        <p:strVal val="visible"/>
+                                      </p:to>
+                                    </p:set>
+                                  </p:childTnLst>
+                                </p:cTn>
+                              </p:par>
+                            </p:childTnLst>
+                          </p:cTn>
+                        </p:par>
+                      </p:childTnLst>
+                    </p:cTn>
+                  </p:par>
+                  <p:par>
+                    <p:cTn id="13" fill="hold">
+                      <p:stCondLst>
+                        <p:cond delay="indefinite"/>
+                      </p:stCondLst>
+                      <p:childTnLst>
+                        <p:par>
+                          <p:cTn id="14" fill="hold">
+                            <p:stCondLst>
+                              <p:cond delay="0"/>
+                            </p:stCondLst>
+                            <p:childTnLst>
+                              <p:par>
+                                <p:cTn id="15" presetID="1" presetClass="entr" presetSubtype="0" fill="hold" nodeType="clickEffect">
+                                  <p:stCondLst>
+                                    <p:cond delay="0"/>
+                                  </p:stCondLst>
+                                  <p:childTnLst>
+                                    <p:set>
+                                      <p:cBhvr>
+                                        <p:cTn id="16" dur="1" fill="hold">
+                                          <p:stCondLst>
+                                            <p:cond delay="0"/>
+                                          </p:stCondLst>
+                                        </p:cTn>
+                                        <p:tgtEl>
+                                          <p:spTgt spid="3">
+                                            <p:txEl>
+                                              <p:pRg st="5" end="5"/>
+                                            </p:txEl>
+                                          </p:spTgt>
+                                        </p:tgtEl>
+                                        <p:attrNameLst>
+                                          <p:attrName>style.visibility</p:attrName>
+                                        </p:attrNameLst>
+                                      </p:cBhvr>
+                                      <p:to>
+                                        <p:strVal val="visible"/>
+                                      </p:to>
+                                    </p:set>
+                                  </p:childTnLst>
+                                </p:cTn>
+                              </p:par>
+                            </p:childTnLst>
+                          </p:cTn>
+                        </p:par>
+                      </p:childTnLst>
+                    </p:cTn>
+                  </p:par>
+                </p:childTnLst>
+              </p:cTn>
+              <p:prevCondLst>
+                <p:cond evt="onPrev" delay="0">
+                  <p:tgtEl>
+                    <p:sldTgt/>
+                  </p:tgtEl>
+                </p:cond>
+              </p:prevCondLst>
+              <p:nextCondLst>
+                <p:cond evt="onNext" delay="0">
+                  <p:tgtEl>
+                    <p:sldTgt/>
+                  </p:tgtEl>
+                </p:cond>
+              </p:nextCondLst>
+            </p:seq>
+          </p:childTnLst>
+        </p:cTn>
+      </p:par>
+    </p:tnLst>
+  </p:timing>
+</p:sld>
+</file>
+
+<file path=ppt/slides/slide28.xml><?xml version="1.0" encoding="utf-8"?>
+<p:sld xmlns:a="http://schemas.openxmlformats.org/drawingml/2006/main" xmlns:r="http://schemas.openxmlformats.org/officeDocument/2006/relationships" xmlns:p="http://schemas.openxmlformats.org/presentationml/2006/main">
+  <p:cSld>
+    <p:spTree>
+      <p:nvGrpSpPr>
+        <p:cNvPr id="1" name=""/>
+        <p:cNvGrpSpPr/>
+        <p:nvPr/>
+      </p:nvGrpSpPr>
+      <p:grpSpPr>
+        <a:xfrm>
+          <a:off x="0" y="0"/>
+          <a:ext cx="0" cy="0"/>
+          <a:chOff x="0" y="0"/>
+          <a:chExt cx="0" cy="0"/>
+        </a:xfrm>
+      </p:grpSpPr>
+      <p:sp>
+        <p:nvSpPr>
+          <p:cNvPr id="2" name="Title 1"/>
+          <p:cNvSpPr>
+            <a:spLocks noGrp="1"/>
+          </p:cNvSpPr>
+          <p:nvPr>
+            <p:ph type="title"/>
+          </p:nvPr>
+        </p:nvSpPr>
+        <p:spPr/>
+        <p:txBody>
+          <a:bodyPr/>
+          <a:lstStyle/>
+          <a:p>
+            <a:r>
+              <a:rPr lang="ru-RU" dirty="0"/>
+              <a:t>Эксплуатация: синхронная репликация</a:t>
+            </a:r>
+            <a:endParaRPr lang="en-US" dirty="0"/>
+          </a:p>
+        </p:txBody>
+      </p:sp>
+      <p:sp>
+        <p:nvSpPr>
+          <p:cNvPr id="3" name="Content Placeholder 2"/>
+          <p:cNvSpPr>
+            <a:spLocks noGrp="1"/>
+          </p:cNvSpPr>
+          <p:nvPr>
+            <p:ph idx="1"/>
+          </p:nvPr>
+        </p:nvSpPr>
+        <p:spPr/>
+        <p:txBody>
+          <a:bodyPr/>
+          <a:lstStyle/>
+          <a:p>
+            <a:r>
+              <a:rPr lang="ru-RU" dirty="0"/>
               <a:t>В </a:t>
             </a:r>
             <a:r>
@@ -12474,10 +13041,9 @@
               <a:t>Ждём </a:t>
             </a:r>
             <a:r>
-              <a:rPr lang="en-US" dirty="0" err="1"/>
-              <a:t>bsync</a:t>
-            </a:r>
-            <a:endParaRPr lang="en-US" dirty="0"/>
+              <a:rPr lang="en-US" dirty="0"/>
+              <a:t>https://github.com/tarantool/tarantool/issues/980</a:t>
+            </a:r>
           </a:p>
         </p:txBody>
       </p:sp>
@@ -12682,7 +13248,7 @@
 </p:sld>
 </file>
 
-<file path=ppt/slides/slide28.xml><?xml version="1.0" encoding="utf-8"?>
+<file path=ppt/slides/slide29.xml><?xml version="1.0" encoding="utf-8"?>
 <p:sld xmlns:a="http://schemas.openxmlformats.org/drawingml/2006/main" xmlns:r="http://schemas.openxmlformats.org/officeDocument/2006/relationships" xmlns:p="http://schemas.openxmlformats.org/presentationml/2006/main">
   <p:cSld>
     <p:spTree>
@@ -12893,321 +13459,6 @@
                                         </p:cTn>
                                         <p:tgtEl>
                                           <p:spTgt spid="7"/>
-                                        </p:tgtEl>
-                                        <p:attrNameLst>
-                                          <p:attrName>style.visibility</p:attrName>
-                                        </p:attrNameLst>
-                                      </p:cBhvr>
-                                      <p:to>
-                                        <p:strVal val="visible"/>
-                                      </p:to>
-                                    </p:set>
-                                  </p:childTnLst>
-                                </p:cTn>
-                              </p:par>
-                            </p:childTnLst>
-                          </p:cTn>
-                        </p:par>
-                      </p:childTnLst>
-                    </p:cTn>
-                  </p:par>
-                </p:childTnLst>
-              </p:cTn>
-              <p:prevCondLst>
-                <p:cond evt="onPrev" delay="0">
-                  <p:tgtEl>
-                    <p:sldTgt/>
-                  </p:tgtEl>
-                </p:cond>
-              </p:prevCondLst>
-              <p:nextCondLst>
-                <p:cond evt="onNext" delay="0">
-                  <p:tgtEl>
-                    <p:sldTgt/>
-                  </p:tgtEl>
-                </p:cond>
-              </p:nextCondLst>
-            </p:seq>
-          </p:childTnLst>
-        </p:cTn>
-      </p:par>
-    </p:tnLst>
-  </p:timing>
-</p:sld>
-</file>
-
-<file path=ppt/slides/slide29.xml><?xml version="1.0" encoding="utf-8"?>
-<p:sld xmlns:a="http://schemas.openxmlformats.org/drawingml/2006/main" xmlns:r="http://schemas.openxmlformats.org/officeDocument/2006/relationships" xmlns:p="http://schemas.openxmlformats.org/presentationml/2006/main">
-  <p:cSld>
-    <p:spTree>
-      <p:nvGrpSpPr>
-        <p:cNvPr id="1" name=""/>
-        <p:cNvGrpSpPr/>
-        <p:nvPr/>
-      </p:nvGrpSpPr>
-      <p:grpSpPr>
-        <a:xfrm>
-          <a:off x="0" y="0"/>
-          <a:ext cx="0" cy="0"/>
-          <a:chOff x="0" y="0"/>
-          <a:chExt cx="0" cy="0"/>
-        </a:xfrm>
-      </p:grpSpPr>
-      <p:sp>
-        <p:nvSpPr>
-          <p:cNvPr id="2" name="Title 1"/>
-          <p:cNvSpPr>
-            <a:spLocks noGrp="1"/>
-          </p:cNvSpPr>
-          <p:nvPr>
-            <p:ph type="title"/>
-          </p:nvPr>
-        </p:nvSpPr>
-        <p:spPr/>
-        <p:txBody>
-          <a:bodyPr/>
-          <a:lstStyle/>
-          <a:p>
-            <a:r>
-              <a:rPr lang="ru-RU" dirty="0"/>
-              <a:t>Эксплуатация: </a:t>
-            </a:r>
-            <a:r>
-              <a:rPr lang="ru-RU" dirty="0" err="1"/>
-              <a:t>версионирование</a:t>
-            </a:r>
-            <a:endParaRPr lang="en-US" dirty="0"/>
-          </a:p>
-        </p:txBody>
-      </p:sp>
-      <p:sp>
-        <p:nvSpPr>
-          <p:cNvPr id="3" name="Content Placeholder 2"/>
-          <p:cNvSpPr>
-            <a:spLocks noGrp="1"/>
-          </p:cNvSpPr>
-          <p:nvPr>
-            <p:ph idx="1"/>
-          </p:nvPr>
-        </p:nvSpPr>
-        <p:spPr>
-          <a:xfrm>
-            <a:off x="838200" y="1859491"/>
-            <a:ext cx="10515600" cy="4351338"/>
-          </a:xfrm>
-        </p:spPr>
-        <p:txBody>
-          <a:bodyPr/>
-          <a:lstStyle/>
-          <a:p>
-            <a:r>
-              <a:rPr lang="ru-RU" dirty="0"/>
-              <a:t>Версия докер-контейнера </a:t>
-            </a:r>
-            <a:r>
-              <a:rPr lang="mr-IN" dirty="0"/>
-              <a:t>–</a:t>
-            </a:r>
-            <a:r>
-              <a:rPr lang="ru-RU" dirty="0"/>
-              <a:t> 1.7. Версия тарантула?</a:t>
-            </a:r>
-          </a:p>
-          <a:p>
-            <a:endParaRPr lang="ru-RU" dirty="0"/>
-          </a:p>
-          <a:p>
-            <a:r>
-              <a:rPr lang="ru-RU" dirty="0"/>
-              <a:t>Версия тарантула </a:t>
-            </a:r>
-            <a:r>
-              <a:rPr lang="mr-IN" dirty="0"/>
-              <a:t>–</a:t>
-            </a:r>
-            <a:r>
-              <a:rPr lang="ru-RU" dirty="0"/>
-              <a:t> 1.7.</a:t>
-            </a:r>
-            <a:r>
-              <a:rPr lang="en-US" dirty="0"/>
-              <a:t>6</a:t>
-            </a:r>
-            <a:r>
-              <a:rPr lang="ru-RU" dirty="0"/>
-              <a:t>-х. Версия докер-контейнера?</a:t>
-            </a:r>
-            <a:endParaRPr lang="en-US" dirty="0"/>
-          </a:p>
-          <a:p>
-            <a:endParaRPr lang="ru-RU" dirty="0"/>
-          </a:p>
-          <a:p>
-            <a:r>
-              <a:rPr lang="en-US" dirty="0"/>
-              <a:t>https://hub.docker.com/r/progaudi/tarantool/</a:t>
-            </a:r>
-          </a:p>
-        </p:txBody>
-      </p:sp>
-    </p:spTree>
-    <p:custDataLst>
-      <p:tags r:id="rId1"/>
-    </p:custDataLst>
-    <p:extLst>
-      <p:ext uri="{BB962C8B-B14F-4D97-AF65-F5344CB8AC3E}">
-        <p14:creationId xmlns:p14="http://schemas.microsoft.com/office/powerpoint/2010/main" val="256838388"/>
-      </p:ext>
-    </p:extLst>
-  </p:cSld>
-  <p:clrMapOvr>
-    <a:masterClrMapping/>
-  </p:clrMapOvr>
-  <mc:AlternateContent xmlns:mc="http://schemas.openxmlformats.org/markup-compatibility/2006" xmlns:p14="http://schemas.microsoft.com/office/powerpoint/2010/main">
-    <mc:Choice Requires="p14">
-      <p:transition spd="slow" p14:dur="2000" advTm="51818"/>
-    </mc:Choice>
-    <mc:Fallback xmlns="">
-      <p:transition spd="slow" advTm="51818"/>
-    </mc:Fallback>
-  </mc:AlternateContent>
-  <p:timing>
-    <p:tnLst>
-      <p:par>
-        <p:cTn id="1" dur="indefinite" restart="never" nodeType="tmRoot">
-          <p:childTnLst>
-            <p:seq concurrent="1" nextAc="seek">
-              <p:cTn id="2" dur="indefinite" nodeType="mainSeq">
-                <p:childTnLst>
-                  <p:par>
-                    <p:cTn id="3" fill="hold">
-                      <p:stCondLst>
-                        <p:cond delay="indefinite"/>
-                      </p:stCondLst>
-                      <p:childTnLst>
-                        <p:par>
-                          <p:cTn id="4" fill="hold">
-                            <p:stCondLst>
-                              <p:cond delay="0"/>
-                            </p:stCondLst>
-                            <p:childTnLst>
-                              <p:par>
-                                <p:cTn id="5" presetID="1" presetClass="entr" presetSubtype="0" fill="hold" nodeType="clickEffect">
-                                  <p:stCondLst>
-                                    <p:cond delay="0"/>
-                                  </p:stCondLst>
-                                  <p:childTnLst>
-                                    <p:set>
-                                      <p:cBhvr>
-                                        <p:cTn id="6" dur="1" fill="hold">
-                                          <p:stCondLst>
-                                            <p:cond delay="0"/>
-                                          </p:stCondLst>
-                                        </p:cTn>
-                                        <p:tgtEl>
-                                          <p:spTgt spid="3">
-                                            <p:txEl>
-                                              <p:pRg st="0" end="0"/>
-                                            </p:txEl>
-                                          </p:spTgt>
-                                        </p:tgtEl>
-                                        <p:attrNameLst>
-                                          <p:attrName>style.visibility</p:attrName>
-                                        </p:attrNameLst>
-                                      </p:cBhvr>
-                                      <p:to>
-                                        <p:strVal val="visible"/>
-                                      </p:to>
-                                    </p:set>
-                                  </p:childTnLst>
-                                </p:cTn>
-                              </p:par>
-                            </p:childTnLst>
-                          </p:cTn>
-                        </p:par>
-                      </p:childTnLst>
-                    </p:cTn>
-                  </p:par>
-                  <p:par>
-                    <p:cTn id="7" fill="hold">
-                      <p:stCondLst>
-                        <p:cond delay="indefinite"/>
-                      </p:stCondLst>
-                      <p:childTnLst>
-                        <p:par>
-                          <p:cTn id="8" fill="hold">
-                            <p:stCondLst>
-                              <p:cond delay="0"/>
-                            </p:stCondLst>
-                            <p:childTnLst>
-                              <p:par>
-                                <p:cTn id="9" presetID="1" presetClass="entr" presetSubtype="0" fill="hold" nodeType="clickEffect">
-                                  <p:stCondLst>
-                                    <p:cond delay="0"/>
-                                  </p:stCondLst>
-                                  <p:childTnLst>
-                                    <p:set>
-                                      <p:cBhvr>
-                                        <p:cTn id="10" dur="1" fill="hold">
-                                          <p:stCondLst>
-                                            <p:cond delay="0"/>
-                                          </p:stCondLst>
-                                        </p:cTn>
-                                        <p:tgtEl>
-                                          <p:spTgt spid="3">
-                                            <p:txEl>
-                                              <p:pRg st="2" end="2"/>
-                                            </p:txEl>
-                                          </p:spTgt>
-                                        </p:tgtEl>
-                                        <p:attrNameLst>
-                                          <p:attrName>style.visibility</p:attrName>
-                                        </p:attrNameLst>
-                                      </p:cBhvr>
-                                      <p:to>
-                                        <p:strVal val="visible"/>
-                                      </p:to>
-                                    </p:set>
-                                  </p:childTnLst>
-                                </p:cTn>
-                              </p:par>
-                            </p:childTnLst>
-                          </p:cTn>
-                        </p:par>
-                      </p:childTnLst>
-                    </p:cTn>
-                  </p:par>
-                  <p:par>
-                    <p:cTn id="11" fill="hold">
-                      <p:stCondLst>
-                        <p:cond delay="indefinite"/>
-                      </p:stCondLst>
-                      <p:childTnLst>
-                        <p:par>
-                          <p:cTn id="12" fill="hold">
-                            <p:stCondLst>
-                              <p:cond delay="0"/>
-                            </p:stCondLst>
-                            <p:childTnLst>
-                              <p:par>
-                                <p:cTn id="13" presetID="1" presetClass="entr" presetSubtype="0" fill="hold" nodeType="clickEffect">
-                                  <p:stCondLst>
-                                    <p:cond delay="0"/>
-                                  </p:stCondLst>
-                                  <p:childTnLst>
-                                    <p:set>
-                                      <p:cBhvr>
-                                        <p:cTn id="14" dur="1" fill="hold">
-                                          <p:stCondLst>
-                                            <p:cond delay="0"/>
-                                          </p:stCondLst>
-                                        </p:cTn>
-                                        <p:tgtEl>
-                                          <p:spTgt spid="3">
-                                            <p:txEl>
-                                              <p:pRg st="4" end="4"/>
-                                            </p:txEl>
-                                          </p:spTgt>
                                         </p:tgtEl>
                                         <p:attrNameLst>
                                           <p:attrName>style.visibility</p:attrName>
@@ -13639,6 +13890,321 @@
           <a:lstStyle/>
           <a:p>
             <a:r>
+              <a:rPr lang="ru-RU" dirty="0"/>
+              <a:t>Эксплуатация: </a:t>
+            </a:r>
+            <a:r>
+              <a:rPr lang="ru-RU" dirty="0" err="1"/>
+              <a:t>версионирование</a:t>
+            </a:r>
+            <a:endParaRPr lang="en-US" dirty="0"/>
+          </a:p>
+        </p:txBody>
+      </p:sp>
+      <p:sp>
+        <p:nvSpPr>
+          <p:cNvPr id="3" name="Content Placeholder 2"/>
+          <p:cNvSpPr>
+            <a:spLocks noGrp="1"/>
+          </p:cNvSpPr>
+          <p:nvPr>
+            <p:ph idx="1"/>
+          </p:nvPr>
+        </p:nvSpPr>
+        <p:spPr>
+          <a:xfrm>
+            <a:off x="838200" y="1859491"/>
+            <a:ext cx="10515600" cy="4351338"/>
+          </a:xfrm>
+        </p:spPr>
+        <p:txBody>
+          <a:bodyPr/>
+          <a:lstStyle/>
+          <a:p>
+            <a:r>
+              <a:rPr lang="ru-RU" dirty="0"/>
+              <a:t>Версия докер-контейнера </a:t>
+            </a:r>
+            <a:r>
+              <a:rPr lang="mr-IN" dirty="0"/>
+              <a:t>–</a:t>
+            </a:r>
+            <a:r>
+              <a:rPr lang="ru-RU" dirty="0"/>
+              <a:t> 1.7. Версия тарантула?</a:t>
+            </a:r>
+          </a:p>
+          <a:p>
+            <a:endParaRPr lang="ru-RU" dirty="0"/>
+          </a:p>
+          <a:p>
+            <a:r>
+              <a:rPr lang="ru-RU" dirty="0"/>
+              <a:t>Версия тарантула </a:t>
+            </a:r>
+            <a:r>
+              <a:rPr lang="mr-IN" dirty="0"/>
+              <a:t>–</a:t>
+            </a:r>
+            <a:r>
+              <a:rPr lang="ru-RU" dirty="0"/>
+              <a:t> 1.7.</a:t>
+            </a:r>
+            <a:r>
+              <a:rPr lang="en-US" dirty="0"/>
+              <a:t>6</a:t>
+            </a:r>
+            <a:r>
+              <a:rPr lang="ru-RU" dirty="0"/>
+              <a:t>-х. Версия докер-контейнера?</a:t>
+            </a:r>
+            <a:endParaRPr lang="en-US" dirty="0"/>
+          </a:p>
+          <a:p>
+            <a:endParaRPr lang="ru-RU" dirty="0"/>
+          </a:p>
+          <a:p>
+            <a:r>
+              <a:rPr lang="en-US" dirty="0"/>
+              <a:t>https://hub.docker.com/r/progaudi/tarantool/</a:t>
+            </a:r>
+          </a:p>
+        </p:txBody>
+      </p:sp>
+    </p:spTree>
+    <p:custDataLst>
+      <p:tags r:id="rId1"/>
+    </p:custDataLst>
+    <p:extLst>
+      <p:ext uri="{BB962C8B-B14F-4D97-AF65-F5344CB8AC3E}">
+        <p14:creationId xmlns:p14="http://schemas.microsoft.com/office/powerpoint/2010/main" val="256838388"/>
+      </p:ext>
+    </p:extLst>
+  </p:cSld>
+  <p:clrMapOvr>
+    <a:masterClrMapping/>
+  </p:clrMapOvr>
+  <mc:AlternateContent xmlns:mc="http://schemas.openxmlformats.org/markup-compatibility/2006" xmlns:p14="http://schemas.microsoft.com/office/powerpoint/2010/main">
+    <mc:Choice Requires="p14">
+      <p:transition spd="slow" p14:dur="2000" advTm="51818"/>
+    </mc:Choice>
+    <mc:Fallback xmlns="">
+      <p:transition spd="slow" advTm="51818"/>
+    </mc:Fallback>
+  </mc:AlternateContent>
+  <p:timing>
+    <p:tnLst>
+      <p:par>
+        <p:cTn id="1" dur="indefinite" restart="never" nodeType="tmRoot">
+          <p:childTnLst>
+            <p:seq concurrent="1" nextAc="seek">
+              <p:cTn id="2" dur="indefinite" nodeType="mainSeq">
+                <p:childTnLst>
+                  <p:par>
+                    <p:cTn id="3" fill="hold">
+                      <p:stCondLst>
+                        <p:cond delay="indefinite"/>
+                      </p:stCondLst>
+                      <p:childTnLst>
+                        <p:par>
+                          <p:cTn id="4" fill="hold">
+                            <p:stCondLst>
+                              <p:cond delay="0"/>
+                            </p:stCondLst>
+                            <p:childTnLst>
+                              <p:par>
+                                <p:cTn id="5" presetID="1" presetClass="entr" presetSubtype="0" fill="hold" nodeType="clickEffect">
+                                  <p:stCondLst>
+                                    <p:cond delay="0"/>
+                                  </p:stCondLst>
+                                  <p:childTnLst>
+                                    <p:set>
+                                      <p:cBhvr>
+                                        <p:cTn id="6" dur="1" fill="hold">
+                                          <p:stCondLst>
+                                            <p:cond delay="0"/>
+                                          </p:stCondLst>
+                                        </p:cTn>
+                                        <p:tgtEl>
+                                          <p:spTgt spid="3">
+                                            <p:txEl>
+                                              <p:pRg st="0" end="0"/>
+                                            </p:txEl>
+                                          </p:spTgt>
+                                        </p:tgtEl>
+                                        <p:attrNameLst>
+                                          <p:attrName>style.visibility</p:attrName>
+                                        </p:attrNameLst>
+                                      </p:cBhvr>
+                                      <p:to>
+                                        <p:strVal val="visible"/>
+                                      </p:to>
+                                    </p:set>
+                                  </p:childTnLst>
+                                </p:cTn>
+                              </p:par>
+                            </p:childTnLst>
+                          </p:cTn>
+                        </p:par>
+                      </p:childTnLst>
+                    </p:cTn>
+                  </p:par>
+                  <p:par>
+                    <p:cTn id="7" fill="hold">
+                      <p:stCondLst>
+                        <p:cond delay="indefinite"/>
+                      </p:stCondLst>
+                      <p:childTnLst>
+                        <p:par>
+                          <p:cTn id="8" fill="hold">
+                            <p:stCondLst>
+                              <p:cond delay="0"/>
+                            </p:stCondLst>
+                            <p:childTnLst>
+                              <p:par>
+                                <p:cTn id="9" presetID="1" presetClass="entr" presetSubtype="0" fill="hold" nodeType="clickEffect">
+                                  <p:stCondLst>
+                                    <p:cond delay="0"/>
+                                  </p:stCondLst>
+                                  <p:childTnLst>
+                                    <p:set>
+                                      <p:cBhvr>
+                                        <p:cTn id="10" dur="1" fill="hold">
+                                          <p:stCondLst>
+                                            <p:cond delay="0"/>
+                                          </p:stCondLst>
+                                        </p:cTn>
+                                        <p:tgtEl>
+                                          <p:spTgt spid="3">
+                                            <p:txEl>
+                                              <p:pRg st="2" end="2"/>
+                                            </p:txEl>
+                                          </p:spTgt>
+                                        </p:tgtEl>
+                                        <p:attrNameLst>
+                                          <p:attrName>style.visibility</p:attrName>
+                                        </p:attrNameLst>
+                                      </p:cBhvr>
+                                      <p:to>
+                                        <p:strVal val="visible"/>
+                                      </p:to>
+                                    </p:set>
+                                  </p:childTnLst>
+                                </p:cTn>
+                              </p:par>
+                            </p:childTnLst>
+                          </p:cTn>
+                        </p:par>
+                      </p:childTnLst>
+                    </p:cTn>
+                  </p:par>
+                  <p:par>
+                    <p:cTn id="11" fill="hold">
+                      <p:stCondLst>
+                        <p:cond delay="indefinite"/>
+                      </p:stCondLst>
+                      <p:childTnLst>
+                        <p:par>
+                          <p:cTn id="12" fill="hold">
+                            <p:stCondLst>
+                              <p:cond delay="0"/>
+                            </p:stCondLst>
+                            <p:childTnLst>
+                              <p:par>
+                                <p:cTn id="13" presetID="1" presetClass="entr" presetSubtype="0" fill="hold" nodeType="clickEffect">
+                                  <p:stCondLst>
+                                    <p:cond delay="0"/>
+                                  </p:stCondLst>
+                                  <p:childTnLst>
+                                    <p:set>
+                                      <p:cBhvr>
+                                        <p:cTn id="14" dur="1" fill="hold">
+                                          <p:stCondLst>
+                                            <p:cond delay="0"/>
+                                          </p:stCondLst>
+                                        </p:cTn>
+                                        <p:tgtEl>
+                                          <p:spTgt spid="3">
+                                            <p:txEl>
+                                              <p:pRg st="4" end="4"/>
+                                            </p:txEl>
+                                          </p:spTgt>
+                                        </p:tgtEl>
+                                        <p:attrNameLst>
+                                          <p:attrName>style.visibility</p:attrName>
+                                        </p:attrNameLst>
+                                      </p:cBhvr>
+                                      <p:to>
+                                        <p:strVal val="visible"/>
+                                      </p:to>
+                                    </p:set>
+                                  </p:childTnLst>
+                                </p:cTn>
+                              </p:par>
+                            </p:childTnLst>
+                          </p:cTn>
+                        </p:par>
+                      </p:childTnLst>
+                    </p:cTn>
+                  </p:par>
+                </p:childTnLst>
+              </p:cTn>
+              <p:prevCondLst>
+                <p:cond evt="onPrev" delay="0">
+                  <p:tgtEl>
+                    <p:sldTgt/>
+                  </p:tgtEl>
+                </p:cond>
+              </p:prevCondLst>
+              <p:nextCondLst>
+                <p:cond evt="onNext" delay="0">
+                  <p:tgtEl>
+                    <p:sldTgt/>
+                  </p:tgtEl>
+                </p:cond>
+              </p:nextCondLst>
+            </p:seq>
+          </p:childTnLst>
+        </p:cTn>
+      </p:par>
+    </p:tnLst>
+  </p:timing>
+</p:sld>
+</file>
+
+<file path=ppt/slides/slide31.xml><?xml version="1.0" encoding="utf-8"?>
+<p:sld xmlns:a="http://schemas.openxmlformats.org/drawingml/2006/main" xmlns:r="http://schemas.openxmlformats.org/officeDocument/2006/relationships" xmlns:p="http://schemas.openxmlformats.org/presentationml/2006/main">
+  <p:cSld>
+    <p:spTree>
+      <p:nvGrpSpPr>
+        <p:cNvPr id="1" name=""/>
+        <p:cNvGrpSpPr/>
+        <p:nvPr/>
+      </p:nvGrpSpPr>
+      <p:grpSpPr>
+        <a:xfrm>
+          <a:off x="0" y="0"/>
+          <a:ext cx="0" cy="0"/>
+          <a:chOff x="0" y="0"/>
+          <a:chExt cx="0" cy="0"/>
+        </a:xfrm>
+      </p:grpSpPr>
+      <p:sp>
+        <p:nvSpPr>
+          <p:cNvPr id="2" name="Title 1"/>
+          <p:cNvSpPr>
+            <a:spLocks noGrp="1"/>
+          </p:cNvSpPr>
+          <p:nvPr>
+            <p:ph type="title"/>
+          </p:nvPr>
+        </p:nvSpPr>
+        <p:spPr/>
+        <p:txBody>
+          <a:bodyPr/>
+          <a:lstStyle/>
+          <a:p>
+            <a:r>
               <a:rPr lang="en-US" dirty="0"/>
               <a:t> </a:t>
             </a:r>
@@ -13886,7 +14452,7 @@
 </p:sld>
 </file>
 
-<file path=ppt/slides/slide31.xml><?xml version="1.0" encoding="utf-8"?>
+<file path=ppt/slides/slide32.xml><?xml version="1.0" encoding="utf-8"?>
 <p:sld xmlns:a="http://schemas.openxmlformats.org/drawingml/2006/main" xmlns:r="http://schemas.openxmlformats.org/officeDocument/2006/relationships" xmlns:p="http://schemas.openxmlformats.org/presentationml/2006/main">
   <p:cSld>
     <p:spTree>
@@ -14201,7 +14767,7 @@
 </p:sld>
 </file>
 
-<file path=ppt/slides/slide32.xml><?xml version="1.0" encoding="utf-8"?>
+<file path=ppt/slides/slide33.xml><?xml version="1.0" encoding="utf-8"?>
 <p:sld xmlns:a="http://schemas.openxmlformats.org/drawingml/2006/main" xmlns:r="http://schemas.openxmlformats.org/officeDocument/2006/relationships" xmlns:p="http://schemas.openxmlformats.org/presentationml/2006/main">
   <p:cSld>
     <p:spTree>
@@ -14503,7 +15069,7 @@
 </p:sld>
 </file>
 
-<file path=ppt/slides/slide33.xml><?xml version="1.0" encoding="utf-8"?>
+<file path=ppt/slides/slide34.xml><?xml version="1.0" encoding="utf-8"?>
 <p:sld xmlns:a="http://schemas.openxmlformats.org/drawingml/2006/main" xmlns:r="http://schemas.openxmlformats.org/officeDocument/2006/relationships" xmlns:p="http://schemas.openxmlformats.org/presentationml/2006/main">
   <p:cSld>
     <p:spTree>
@@ -14573,16 +15139,31 @@
             </a:r>
             <a:r>
               <a:rPr lang="ru-RU" dirty="0"/>
-              <a:t>работает на </a:t>
-            </a:r>
+              <a:t>– по-настоящему кроссплатфоменная платформа</a:t>
+            </a:r>
+          </a:p>
+          <a:p>
+            <a:pPr lvl="1"/>
             <a:r>
               <a:rPr lang="en-US" dirty="0"/>
-              <a:t>Linux, ARM, ARM64 (</a:t>
-            </a:r>
-            <a:r>
-              <a:rPr lang="ru-RU" dirty="0"/>
-              <a:t>ну, почти ;))</a:t>
-            </a:r>
+              <a:t>amd64, arm</a:t>
+            </a:r>
+            <a:endParaRPr lang="ru-RU" dirty="0"/>
+          </a:p>
+          <a:p>
+            <a:pPr lvl="1"/>
+            <a:r>
+              <a:rPr lang="en-US" dirty="0"/>
+              <a:t>Windows, Linux, Mac OS</a:t>
+            </a:r>
+          </a:p>
+          <a:p>
+            <a:pPr lvl="1"/>
+            <a:r>
+              <a:rPr lang="en-US" dirty="0"/>
+              <a:t>VS2017, VS Code, Rider, …</a:t>
+            </a:r>
+            <a:endParaRPr lang="ru-RU" dirty="0"/>
           </a:p>
           <a:p>
             <a:endParaRPr lang="en-US" dirty="0"/>
@@ -14606,63 +15187,23 @@
             </a:r>
             <a:r>
               <a:rPr lang="ru-RU" dirty="0"/>
-              <a:t>хорошая СУБД для </a:t>
-            </a:r>
-            <a:r>
-              <a:rPr lang="en-US" dirty="0" err="1"/>
-              <a:t>.net</a:t>
-            </a:r>
-            <a:r>
-              <a:rPr lang="ru-RU" dirty="0"/>
-              <a:t> приложений</a:t>
+              <a:t>хорошая СУБД и сервер приложений</a:t>
             </a:r>
             <a:endParaRPr lang="en-US" dirty="0"/>
           </a:p>
           <a:p>
-            <a:endParaRPr lang="en-US" dirty="0"/>
-          </a:p>
-          <a:p>
-            <a:r>
-              <a:rPr lang="en-US" dirty="0" err="1"/>
-              <a:t>Tarantool</a:t>
-            </a:r>
+            <a:pPr lvl="1"/>
             <a:r>
               <a:rPr lang="en-US" dirty="0"/>
-              <a:t> </a:t>
-            </a:r>
-            <a:r>
-              <a:rPr lang="mr-IN" dirty="0"/>
-              <a:t>–</a:t>
-            </a:r>
+              <a:t>amd64, arm</a:t>
+            </a:r>
+          </a:p>
+          <a:p>
+            <a:pPr lvl="1"/>
             <a:r>
               <a:rPr lang="en-US" dirty="0"/>
-              <a:t> </a:t>
-            </a:r>
-            <a:r>
-              <a:rPr lang="ru-RU" dirty="0"/>
-              <a:t>хорошая очередь</a:t>
-            </a:r>
-            <a:r>
-              <a:rPr lang="en-US" dirty="0"/>
-              <a:t> </a:t>
-            </a:r>
-            <a:r>
-              <a:rPr lang="ru-RU" dirty="0"/>
-              <a:t>для </a:t>
-            </a:r>
-            <a:r>
-              <a:rPr lang="en-US" dirty="0" err="1"/>
-              <a:t>.net</a:t>
-            </a:r>
-            <a:r>
-              <a:rPr lang="en-US" dirty="0"/>
-              <a:t> </a:t>
-            </a:r>
-            <a:r>
-              <a:rPr lang="ru-RU" dirty="0"/>
-              <a:t>приложений</a:t>
-            </a:r>
-            <a:endParaRPr lang="en-US" dirty="0"/>
+              <a:t>Windows (WSL), Linux, Mac OS</a:t>
+            </a:r>
           </a:p>
           <a:p>
             <a:endParaRPr lang="en-US" dirty="0"/>
@@ -14730,26 +15271,39 @@
                                   </p:childTnLst>
                                 </p:cTn>
                               </p:par>
-                            </p:childTnLst>
-                          </p:cTn>
-                        </p:par>
-                      </p:childTnLst>
-                    </p:cTn>
-                  </p:par>
-                  <p:par>
-                    <p:cTn id="7" fill="hold">
-                      <p:stCondLst>
-                        <p:cond delay="indefinite"/>
-                      </p:stCondLst>
-                      <p:childTnLst>
-                        <p:par>
-                          <p:cTn id="8" fill="hold">
-                            <p:stCondLst>
-                              <p:cond delay="0"/>
-                            </p:stCondLst>
-                            <p:childTnLst>
                               <p:par>
-                                <p:cTn id="9" presetID="1" presetClass="entr" presetSubtype="0" fill="hold" nodeType="clickEffect">
+                                <p:cTn id="7" presetID="1" presetClass="entr" presetSubtype="0" fill="hold" nodeType="withEffect">
+                                  <p:stCondLst>
+                                    <p:cond delay="0"/>
+                                  </p:stCondLst>
+                                  <p:childTnLst>
+                                    <p:set>
+                                      <p:cBhvr>
+                                        <p:cTn id="8" dur="1" fill="hold">
+                                          <p:stCondLst>
+                                            <p:cond delay="0"/>
+                                          </p:stCondLst>
+                                        </p:cTn>
+                                        <p:tgtEl>
+                                          <p:spTgt spid="3">
+                                            <p:txEl>
+                                              <p:pRg st="1" end="1"/>
+                                            </p:txEl>
+                                          </p:spTgt>
+                                        </p:tgtEl>
+                                        <p:attrNameLst>
+                                          <p:attrName>style.visibility</p:attrName>
+                                        </p:attrNameLst>
+                                      </p:cBhvr>
+                                      <p:to>
+                                        <p:strVal val="visible"/>
+                                      </p:to>
+                                    </p:set>
+                                  </p:childTnLst>
+                                </p:cTn>
+                              </p:par>
+                              <p:par>
+                                <p:cTn id="9" presetID="1" presetClass="entr" presetSubtype="0" fill="hold" nodeType="withEffect">
                                   <p:stCondLst>
                                     <p:cond delay="0"/>
                                   </p:stCondLst>
@@ -14779,6 +15333,37 @@
                                   </p:childTnLst>
                                 </p:cTn>
                               </p:par>
+                              <p:par>
+                                <p:cTn id="11" presetID="1" presetClass="entr" presetSubtype="0" fill="hold" nodeType="withEffect">
+                                  <p:stCondLst>
+                                    <p:cond delay="0"/>
+                                  </p:stCondLst>
+                                  <p:childTnLst>
+                                    <p:set>
+                                      <p:cBhvr>
+                                        <p:cTn id="12" dur="1" fill="hold">
+                                          <p:stCondLst>
+                                            <p:cond delay="0"/>
+                                          </p:stCondLst>
+                                        </p:cTn>
+                                        <p:tgtEl>
+                                          <p:spTgt spid="3">
+                                            <p:txEl>
+                                              <p:pRg st="3" end="3"/>
+                                            </p:txEl>
+                                          </p:spTgt>
+                                        </p:tgtEl>
+                                        <p:attrNameLst>
+                                          <p:attrName>style.visibility</p:attrName>
+                                        </p:attrNameLst>
+                                      </p:cBhvr>
+                                      <p:to>
+                                        <p:strVal val="visible"/>
+                                      </p:to>
+                                    </p:set>
+                                  </p:childTnLst>
+                                </p:cTn>
+                              </p:par>
                             </p:childTnLst>
                           </p:cTn>
                         </p:par>
@@ -14786,26 +15371,26 @@
                     </p:cTn>
                   </p:par>
                   <p:par>
-                    <p:cTn id="11" fill="hold">
+                    <p:cTn id="13" fill="hold">
                       <p:stCondLst>
                         <p:cond delay="indefinite"/>
                       </p:stCondLst>
                       <p:childTnLst>
                         <p:par>
-                          <p:cTn id="12" fill="hold">
+                          <p:cTn id="14" fill="hold">
                             <p:stCondLst>
                               <p:cond delay="0"/>
                             </p:stCondLst>
                             <p:childTnLst>
                               <p:par>
-                                <p:cTn id="13" presetID="1" presetClass="entr" presetSubtype="0" fill="hold" nodeType="clickEffect">
+                                <p:cTn id="15" presetID="1" presetClass="entr" presetSubtype="0" fill="hold" nodeType="clickEffect">
                                   <p:stCondLst>
                                     <p:cond delay="0"/>
                                   </p:stCondLst>
                                   <p:childTnLst>
                                     <p:set>
                                       <p:cBhvr>
-                                        <p:cTn id="14" dur="1" fill="hold">
+                                        <p:cTn id="16" dur="1" fill="hold">
                                           <p:stCondLst>
                                             <p:cond delay="0"/>
                                           </p:stCondLst>
@@ -14813,7 +15398,69 @@
                                         <p:tgtEl>
                                           <p:spTgt spid="3">
                                             <p:txEl>
-                                              <p:pRg st="4" end="4"/>
+                                              <p:pRg st="5" end="5"/>
+                                            </p:txEl>
+                                          </p:spTgt>
+                                        </p:tgtEl>
+                                        <p:attrNameLst>
+                                          <p:attrName>style.visibility</p:attrName>
+                                        </p:attrNameLst>
+                                      </p:cBhvr>
+                                      <p:to>
+                                        <p:strVal val="visible"/>
+                                      </p:to>
+                                    </p:set>
+                                  </p:childTnLst>
+                                </p:cTn>
+                              </p:par>
+                              <p:par>
+                                <p:cTn id="17" presetID="1" presetClass="entr" presetSubtype="0" fill="hold" nodeType="withEffect">
+                                  <p:stCondLst>
+                                    <p:cond delay="0"/>
+                                  </p:stCondLst>
+                                  <p:childTnLst>
+                                    <p:set>
+                                      <p:cBhvr>
+                                        <p:cTn id="18" dur="1" fill="hold">
+                                          <p:stCondLst>
+                                            <p:cond delay="0"/>
+                                          </p:stCondLst>
+                                        </p:cTn>
+                                        <p:tgtEl>
+                                          <p:spTgt spid="3">
+                                            <p:txEl>
+                                              <p:pRg st="6" end="6"/>
+                                            </p:txEl>
+                                          </p:spTgt>
+                                        </p:tgtEl>
+                                        <p:attrNameLst>
+                                          <p:attrName>style.visibility</p:attrName>
+                                        </p:attrNameLst>
+                                      </p:cBhvr>
+                                      <p:to>
+                                        <p:strVal val="visible"/>
+                                      </p:to>
+                                    </p:set>
+                                  </p:childTnLst>
+                                </p:cTn>
+                              </p:par>
+                              <p:par>
+                                <p:cTn id="19" presetID="1" presetClass="entr" presetSubtype="0" fill="hold" nodeType="withEffect">
+                                  <p:stCondLst>
+                                    <p:cond delay="0"/>
+                                  </p:stCondLst>
+                                  <p:childTnLst>
+                                    <p:set>
+                                      <p:cBhvr>
+                                        <p:cTn id="20" dur="1" fill="hold">
+                                          <p:stCondLst>
+                                            <p:cond delay="0"/>
+                                          </p:stCondLst>
+                                        </p:cTn>
+                                        <p:tgtEl>
+                                          <p:spTgt spid="3">
+                                            <p:txEl>
+                                              <p:pRg st="7" end="7"/>
                                             </p:txEl>
                                           </p:spTgt>
                                         </p:tgtEl>
@@ -14859,7 +15506,7 @@
 </p:sld>
 </file>
 
-<file path=ppt/slides/slide34.xml><?xml version="1.0" encoding="utf-8"?>
+<file path=ppt/slides/slide35.xml><?xml version="1.0" encoding="utf-8"?>
 <p:sld xmlns:a="http://schemas.openxmlformats.org/drawingml/2006/main" xmlns:r="http://schemas.openxmlformats.org/officeDocument/2006/relationships" xmlns:p="http://schemas.openxmlformats.org/presentationml/2006/main">
   <p:cSld>
     <p:spTree>
@@ -17082,29 +17729,35 @@
 
 <file path=ppt/tags/tag12.xml><?xml version="1.0" encoding="utf-8"?>
 <p:tagLst xmlns:a="http://schemas.openxmlformats.org/drawingml/2006/main" xmlns:r="http://schemas.openxmlformats.org/officeDocument/2006/relationships" xmlns:p="http://schemas.openxmlformats.org/presentationml/2006/main">
-  <p:tag name="TIMING" val="|9.3|10.9"/>
+  <p:tag name="TIMING" val="|12.5|10.2|11.3"/>
 </p:tagLst>
 </file>
 
 <file path=ppt/tags/tag13.xml><?xml version="1.0" encoding="utf-8"?>
 <p:tagLst xmlns:a="http://schemas.openxmlformats.org/drawingml/2006/main" xmlns:r="http://schemas.openxmlformats.org/officeDocument/2006/relationships" xmlns:p="http://schemas.openxmlformats.org/presentationml/2006/main">
-  <p:tag name="TIMING" val="|38|3.6|6.5|2.9|11.1|11.1"/>
+  <p:tag name="TIMING" val="|9.3|10.9"/>
 </p:tagLst>
 </file>
 
 <file path=ppt/tags/tag14.xml><?xml version="1.0" encoding="utf-8"?>
 <p:tagLst xmlns:a="http://schemas.openxmlformats.org/drawingml/2006/main" xmlns:r="http://schemas.openxmlformats.org/officeDocument/2006/relationships" xmlns:p="http://schemas.openxmlformats.org/presentationml/2006/main">
-  <p:tag name="TIMING" val="|10.5|14.7|13.8"/>
+  <p:tag name="TIMING" val="|38|3.6|6.5|2.9|11.1|11.1"/>
 </p:tagLst>
 </file>
 
 <file path=ppt/tags/tag15.xml><?xml version="1.0" encoding="utf-8"?>
 <p:tagLst xmlns:a="http://schemas.openxmlformats.org/drawingml/2006/main" xmlns:r="http://schemas.openxmlformats.org/officeDocument/2006/relationships" xmlns:p="http://schemas.openxmlformats.org/presentationml/2006/main">
+  <p:tag name="TIMING" val="|10.5|14.7|13.8"/>
+</p:tagLst>
+</file>
+
+<file path=ppt/tags/tag16.xml><?xml version="1.0" encoding="utf-8"?>
+<p:tagLst xmlns:a="http://schemas.openxmlformats.org/drawingml/2006/main" xmlns:r="http://schemas.openxmlformats.org/officeDocument/2006/relationships" xmlns:p="http://schemas.openxmlformats.org/presentationml/2006/main">
   <p:tag name="TIMING" val="|12.1|14.6|26.2"/>
 </p:tagLst>
 </file>
 
-<file path=ppt/tags/tag16.xml><?xml version="1.0" encoding="utf-8"?>
+<file path=ppt/tags/tag17.xml><?xml version="1.0" encoding="utf-8"?>
 <p:tagLst xmlns:a="http://schemas.openxmlformats.org/drawingml/2006/main" xmlns:r="http://schemas.openxmlformats.org/officeDocument/2006/relationships" xmlns:p="http://schemas.openxmlformats.org/presentationml/2006/main">
   <p:tag name="TIMING" val="|12.1|14.6|26.2"/>
 </p:tagLst>
